--- a/raspberry-pi-report/RAGの検証_Gemma2_qdrant.pptx
+++ b/raspberry-pi-report/RAGの検証_Gemma2_qdrant.pptx
@@ -185,7 +185,7 @@
   <pc:docChgLst>
     <pc:chgData name="Yoshiharu Hamaguchi" userId="470e288704938fe9" providerId="LiveId" clId="{08F20566-51F3-49C8-9CDF-DEA9540ACD2F}"/>
     <pc:docChg chg="undo custSel addSld delSld modSld sldOrd">
-      <pc:chgData name="Yoshiharu Hamaguchi" userId="470e288704938fe9" providerId="LiveId" clId="{08F20566-51F3-49C8-9CDF-DEA9540ACD2F}" dt="2024-09-30T23:04:21.318" v="653" actId="255"/>
+      <pc:chgData name="Yoshiharu Hamaguchi" userId="470e288704938fe9" providerId="LiveId" clId="{08F20566-51F3-49C8-9CDF-DEA9540ACD2F}" dt="2024-10-01T13:45:52.538" v="678" actId="20577"/>
       <pc:docMkLst>
         <pc:docMk/>
       </pc:docMkLst>
@@ -764,13 +764,13 @@
         </pc:cxnChg>
       </pc:sldChg>
       <pc:sldChg chg="modSp mod">
-        <pc:chgData name="Yoshiharu Hamaguchi" userId="470e288704938fe9" providerId="LiveId" clId="{08F20566-51F3-49C8-9CDF-DEA9540ACD2F}" dt="2024-09-30T23:04:21.318" v="653" actId="255"/>
+        <pc:chgData name="Yoshiharu Hamaguchi" userId="470e288704938fe9" providerId="LiveId" clId="{08F20566-51F3-49C8-9CDF-DEA9540ACD2F}" dt="2024-10-01T13:45:52.538" v="678" actId="20577"/>
         <pc:sldMkLst>
           <pc:docMk/>
           <pc:sldMk cId="3824521246" sldId="271"/>
         </pc:sldMkLst>
         <pc:spChg chg="mod">
-          <ac:chgData name="Yoshiharu Hamaguchi" userId="470e288704938fe9" providerId="LiveId" clId="{08F20566-51F3-49C8-9CDF-DEA9540ACD2F}" dt="2024-09-30T23:04:21.318" v="653" actId="255"/>
+          <ac:chgData name="Yoshiharu Hamaguchi" userId="470e288704938fe9" providerId="LiveId" clId="{08F20566-51F3-49C8-9CDF-DEA9540ACD2F}" dt="2024-10-01T13:45:52.538" v="678" actId="20577"/>
           <ac:spMkLst>
             <pc:docMk/>
             <pc:sldMk cId="3824521246" sldId="271"/>
@@ -8725,7 +8725,7 @@
             </a:r>
             <a:r>
               <a:rPr lang="en-US" altLang="ja-JP" dirty="0"/>
-              <a:t>gemma2:2b</a:t>
+              <a:t>nomic-embed-text</a:t>
             </a:r>
             <a:r>
               <a:rPr lang="ja-JP" altLang="en-US" dirty="0"/>
@@ -8755,7 +8755,15 @@
             </a:r>
             <a:r>
               <a:rPr lang="en-US" altLang="ja-JP" sz="1600" dirty="0"/>
-              <a:t> pull gemma2:2b</a:t>
+              <a:t> pull</a:t>
+            </a:r>
+            <a:r>
+              <a:rPr lang="ja-JP" altLang="en-US" sz="1600" dirty="0"/>
+              <a:t> </a:t>
+            </a:r>
+            <a:r>
+              <a:rPr lang="en-US" altLang="ja-JP" sz="1600" dirty="0"/>
+              <a:t>nomic-embed-text</a:t>
             </a:r>
           </a:p>
           <a:p>
@@ -8787,8 +8795,12 @@
               <a:buNone/>
             </a:pPr>
             <a:r>
+              <a:rPr kumimoji="1" lang="fi-FI" altLang="ja-JP" sz="1600"/>
+              <a:t>$ docker </a:t>
+            </a:r>
+            <a:r>
               <a:rPr kumimoji="1" lang="fi-FI" altLang="ja-JP" sz="1600" dirty="0"/>
-              <a:t>$docker run –d -p 6333:6333 -p 6334:6334 -v $(pwd)/qdrant_storage:/qdrant/storage:z --name qdrant qdrant/qdrant</a:t>
+              <a:t>run –d -p 6333:6333 -p 6334:6334 -v $(pwd)/qdrant_storage:/qdrant/storage:z --name qdrant qdrant/qdrant</a:t>
             </a:r>
           </a:p>
           <a:p>

--- a/raspberry-pi-report/RAGの検証_Gemma2_qdrant.pptx
+++ b/raspberry-pi-report/RAGの検証_Gemma2_qdrant.pptx
@@ -185,12 +185,12 @@
   <pc:docChgLst>
     <pc:chgData name="Yoshiharu Hamaguchi" userId="470e288704938fe9" providerId="LiveId" clId="{08F20566-51F3-49C8-9CDF-DEA9540ACD2F}"/>
     <pc:docChg chg="undo custSel addSld delSld modSld sldOrd">
-      <pc:chgData name="Yoshiharu Hamaguchi" userId="470e288704938fe9" providerId="LiveId" clId="{08F20566-51F3-49C8-9CDF-DEA9540ACD2F}" dt="2024-10-01T13:45:52.538" v="678" actId="20577"/>
+      <pc:chgData name="Yoshiharu Hamaguchi" userId="470e288704938fe9" providerId="LiveId" clId="{08F20566-51F3-49C8-9CDF-DEA9540ACD2F}" dt="2024-10-08T00:01:25.924" v="825" actId="20577"/>
       <pc:docMkLst>
         <pc:docMk/>
       </pc:docMkLst>
       <pc:sldChg chg="modSp mod">
-        <pc:chgData name="Yoshiharu Hamaguchi" userId="470e288704938fe9" providerId="LiveId" clId="{08F20566-51F3-49C8-9CDF-DEA9540ACD2F}" dt="2024-09-25T15:43:56.065" v="124" actId="6549"/>
+        <pc:chgData name="Yoshiharu Hamaguchi" userId="470e288704938fe9" providerId="LiveId" clId="{08F20566-51F3-49C8-9CDF-DEA9540ACD2F}" dt="2024-10-08T00:00:49.044" v="786" actId="20577"/>
         <pc:sldMkLst>
           <pc:docMk/>
           <pc:sldMk cId="634982452" sldId="256"/>
@@ -204,7 +204,7 @@
           </ac:spMkLst>
         </pc:spChg>
         <pc:spChg chg="mod">
-          <ac:chgData name="Yoshiharu Hamaguchi" userId="470e288704938fe9" providerId="LiveId" clId="{08F20566-51F3-49C8-9CDF-DEA9540ACD2F}" dt="2024-09-25T15:43:56.065" v="124" actId="6549"/>
+          <ac:chgData name="Yoshiharu Hamaguchi" userId="470e288704938fe9" providerId="LiveId" clId="{08F20566-51F3-49C8-9CDF-DEA9540ACD2F}" dt="2024-10-08T00:00:49.044" v="786" actId="20577"/>
           <ac:spMkLst>
             <pc:docMk/>
             <pc:sldMk cId="634982452" sldId="256"/>
@@ -259,13 +259,21 @@
         </pc:sldMkLst>
       </pc:sldChg>
       <pc:sldChg chg="modSp mod">
-        <pc:chgData name="Yoshiharu Hamaguchi" userId="470e288704938fe9" providerId="LiveId" clId="{08F20566-51F3-49C8-9CDF-DEA9540ACD2F}" dt="2024-09-25T15:53:03.646" v="474" actId="20577"/>
+        <pc:chgData name="Yoshiharu Hamaguchi" userId="470e288704938fe9" providerId="LiveId" clId="{08F20566-51F3-49C8-9CDF-DEA9540ACD2F}" dt="2024-10-07T23:12:57.694" v="689"/>
         <pc:sldMkLst>
           <pc:docMk/>
           <pc:sldMk cId="3365730422" sldId="264"/>
         </pc:sldMkLst>
         <pc:spChg chg="mod">
-          <ac:chgData name="Yoshiharu Hamaguchi" userId="470e288704938fe9" providerId="LiveId" clId="{08F20566-51F3-49C8-9CDF-DEA9540ACD2F}" dt="2024-09-25T15:53:03.646" v="474" actId="20577"/>
+          <ac:chgData name="Yoshiharu Hamaguchi" userId="470e288704938fe9" providerId="LiveId" clId="{08F20566-51F3-49C8-9CDF-DEA9540ACD2F}" dt="2024-10-07T23:12:55.052" v="688" actId="20577"/>
+          <ac:spMkLst>
+            <pc:docMk/>
+            <pc:sldMk cId="3365730422" sldId="264"/>
+            <ac:spMk id="2" creationId="{9C784ACA-9376-15C6-DD93-68B5D582FADA}"/>
+          </ac:spMkLst>
+        </pc:spChg>
+        <pc:spChg chg="mod">
+          <ac:chgData name="Yoshiharu Hamaguchi" userId="470e288704938fe9" providerId="LiveId" clId="{08F20566-51F3-49C8-9CDF-DEA9540ACD2F}" dt="2024-10-07T23:12:57.694" v="689"/>
           <ac:spMkLst>
             <pc:docMk/>
             <pc:sldMk cId="3365730422" sldId="264"/>
@@ -273,21 +281,29 @@
           </ac:spMkLst>
         </pc:spChg>
       </pc:sldChg>
-      <pc:sldChg chg="del">
-        <pc:chgData name="Yoshiharu Hamaguchi" userId="470e288704938fe9" providerId="LiveId" clId="{08F20566-51F3-49C8-9CDF-DEA9540ACD2F}" dt="2024-09-25T15:50:39.599" v="297" actId="47"/>
+      <pc:sldChg chg="modSp del mod">
+        <pc:chgData name="Yoshiharu Hamaguchi" userId="470e288704938fe9" providerId="LiveId" clId="{08F20566-51F3-49C8-9CDF-DEA9540ACD2F}" dt="2024-10-07T23:11:47.855" v="686" actId="20577"/>
         <pc:sldMkLst>
           <pc:docMk/>
           <pc:sldMk cId="3485624740" sldId="265"/>
         </pc:sldMkLst>
+        <pc:spChg chg="mod">
+          <ac:chgData name="Yoshiharu Hamaguchi" userId="470e288704938fe9" providerId="LiveId" clId="{08F20566-51F3-49C8-9CDF-DEA9540ACD2F}" dt="2024-10-07T23:11:47.855" v="686" actId="20577"/>
+          <ac:spMkLst>
+            <pc:docMk/>
+            <pc:sldMk cId="3485624740" sldId="265"/>
+            <ac:spMk id="3" creationId="{37025C41-8921-578C-16F8-6B5CF0A93AE0}"/>
+          </ac:spMkLst>
+        </pc:spChg>
       </pc:sldChg>
       <pc:sldChg chg="delSp modSp mod">
-        <pc:chgData name="Yoshiharu Hamaguchi" userId="470e288704938fe9" providerId="LiveId" clId="{08F20566-51F3-49C8-9CDF-DEA9540ACD2F}" dt="2024-09-25T15:52:33.745" v="458" actId="478"/>
+        <pc:chgData name="Yoshiharu Hamaguchi" userId="470e288704938fe9" providerId="LiveId" clId="{08F20566-51F3-49C8-9CDF-DEA9540ACD2F}" dt="2024-10-08T00:01:25.924" v="825" actId="20577"/>
         <pc:sldMkLst>
           <pc:docMk/>
           <pc:sldMk cId="3544669301" sldId="266"/>
         </pc:sldMkLst>
         <pc:spChg chg="mod">
-          <ac:chgData name="Yoshiharu Hamaguchi" userId="470e288704938fe9" providerId="LiveId" clId="{08F20566-51F3-49C8-9CDF-DEA9540ACD2F}" dt="2024-09-25T15:52:31.381" v="457" actId="14100"/>
+          <ac:chgData name="Yoshiharu Hamaguchi" userId="470e288704938fe9" providerId="LiveId" clId="{08F20566-51F3-49C8-9CDF-DEA9540ACD2F}" dt="2024-10-08T00:01:25.924" v="825" actId="20577"/>
           <ac:spMkLst>
             <pc:docMk/>
             <pc:sldMk cId="3544669301" sldId="266"/>
@@ -1863,7 +1879,7 @@
           <a:p>
             <a:fld id="{9627246E-3903-4E01-B28D-BFF5567D65C3}" type="datetimeFigureOut">
               <a:rPr kumimoji="1" lang="ja-JP" altLang="en-US" smtClean="0"/>
-              <a:t>2024/10/1</a:t>
+              <a:t>2024/10/8</a:t>
             </a:fld>
             <a:endParaRPr kumimoji="1" lang="ja-JP" altLang="en-US"/>
           </a:p>
@@ -2093,7 +2109,7 @@
           <a:p>
             <a:fld id="{9627246E-3903-4E01-B28D-BFF5567D65C3}" type="datetimeFigureOut">
               <a:rPr kumimoji="1" lang="ja-JP" altLang="en-US" smtClean="0"/>
-              <a:t>2024/10/1</a:t>
+              <a:t>2024/10/8</a:t>
             </a:fld>
             <a:endParaRPr kumimoji="1" lang="ja-JP" altLang="en-US"/>
           </a:p>
@@ -2333,7 +2349,7 @@
           <a:p>
             <a:fld id="{9627246E-3903-4E01-B28D-BFF5567D65C3}" type="datetimeFigureOut">
               <a:rPr kumimoji="1" lang="ja-JP" altLang="en-US" smtClean="0"/>
-              <a:t>2024/10/1</a:t>
+              <a:t>2024/10/8</a:t>
             </a:fld>
             <a:endParaRPr kumimoji="1" lang="ja-JP" altLang="en-US"/>
           </a:p>
@@ -2563,7 +2579,7 @@
           <a:p>
             <a:fld id="{9627246E-3903-4E01-B28D-BFF5567D65C3}" type="datetimeFigureOut">
               <a:rPr kumimoji="1" lang="ja-JP" altLang="en-US" smtClean="0"/>
-              <a:t>2024/10/1</a:t>
+              <a:t>2024/10/8</a:t>
             </a:fld>
             <a:endParaRPr kumimoji="1" lang="ja-JP" altLang="en-US"/>
           </a:p>
@@ -2838,7 +2854,7 @@
           <a:p>
             <a:fld id="{9627246E-3903-4E01-B28D-BFF5567D65C3}" type="datetimeFigureOut">
               <a:rPr kumimoji="1" lang="ja-JP" altLang="en-US" smtClean="0"/>
-              <a:t>2024/10/1</a:t>
+              <a:t>2024/10/8</a:t>
             </a:fld>
             <a:endParaRPr kumimoji="1" lang="ja-JP" altLang="en-US"/>
           </a:p>
@@ -3167,7 +3183,7 @@
           <a:p>
             <a:fld id="{9627246E-3903-4E01-B28D-BFF5567D65C3}" type="datetimeFigureOut">
               <a:rPr kumimoji="1" lang="ja-JP" altLang="en-US" smtClean="0"/>
-              <a:t>2024/10/1</a:t>
+              <a:t>2024/10/8</a:t>
             </a:fld>
             <a:endParaRPr kumimoji="1" lang="ja-JP" altLang="en-US"/>
           </a:p>
@@ -3643,7 +3659,7 @@
           <a:p>
             <a:fld id="{9627246E-3903-4E01-B28D-BFF5567D65C3}" type="datetimeFigureOut">
               <a:rPr kumimoji="1" lang="ja-JP" altLang="en-US" smtClean="0"/>
-              <a:t>2024/10/1</a:t>
+              <a:t>2024/10/8</a:t>
             </a:fld>
             <a:endParaRPr kumimoji="1" lang="ja-JP" altLang="en-US"/>
           </a:p>
@@ -3784,7 +3800,7 @@
           <a:p>
             <a:fld id="{9627246E-3903-4E01-B28D-BFF5567D65C3}" type="datetimeFigureOut">
               <a:rPr kumimoji="1" lang="ja-JP" altLang="en-US" smtClean="0"/>
-              <a:t>2024/10/1</a:t>
+              <a:t>2024/10/8</a:t>
             </a:fld>
             <a:endParaRPr kumimoji="1" lang="ja-JP" altLang="en-US"/>
           </a:p>
@@ -3897,7 +3913,7 @@
           <a:p>
             <a:fld id="{9627246E-3903-4E01-B28D-BFF5567D65C3}" type="datetimeFigureOut">
               <a:rPr kumimoji="1" lang="ja-JP" altLang="en-US" smtClean="0"/>
-              <a:t>2024/10/1</a:t>
+              <a:t>2024/10/8</a:t>
             </a:fld>
             <a:endParaRPr kumimoji="1" lang="ja-JP" altLang="en-US"/>
           </a:p>
@@ -4240,7 +4256,7 @@
           <a:p>
             <a:fld id="{9627246E-3903-4E01-B28D-BFF5567D65C3}" type="datetimeFigureOut">
               <a:rPr kumimoji="1" lang="ja-JP" altLang="en-US" smtClean="0"/>
-              <a:t>2024/10/1</a:t>
+              <a:t>2024/10/8</a:t>
             </a:fld>
             <a:endParaRPr kumimoji="1" lang="ja-JP" altLang="en-US"/>
           </a:p>
@@ -4528,7 +4544,7 @@
           <a:p>
             <a:fld id="{9627246E-3903-4E01-B28D-BFF5567D65C3}" type="datetimeFigureOut">
               <a:rPr kumimoji="1" lang="ja-JP" altLang="en-US" smtClean="0"/>
-              <a:t>2024/10/1</a:t>
+              <a:t>2024/10/8</a:t>
             </a:fld>
             <a:endParaRPr kumimoji="1" lang="ja-JP" altLang="en-US"/>
           </a:p>
@@ -4801,7 +4817,7 @@
           <a:p>
             <a:fld id="{9627246E-3903-4E01-B28D-BFF5567D65C3}" type="datetimeFigureOut">
               <a:rPr kumimoji="1" lang="ja-JP" altLang="en-US" smtClean="0"/>
-              <a:t>2024/10/1</a:t>
+              <a:t>2024/10/8</a:t>
             </a:fld>
             <a:endParaRPr kumimoji="1" lang="ja-JP" altLang="en-US"/>
           </a:p>
@@ -5272,6 +5288,23 @@
           <a:bodyPr/>
           <a:lstStyle/>
           <a:p>
+            <a:r>
+              <a:rPr kumimoji="1" lang="en-US" altLang="ja-JP" dirty="0"/>
+              <a:t>LLM:Gemma2(2B)</a:t>
+            </a:r>
+          </a:p>
+          <a:p>
+            <a:r>
+              <a:rPr lang="en-US" altLang="ja-JP" dirty="0" err="1"/>
+              <a:t>Framework:Llama_index</a:t>
+            </a:r>
+            <a:endParaRPr lang="en-US" altLang="ja-JP" dirty="0"/>
+          </a:p>
+          <a:p>
+            <a:r>
+              <a:rPr kumimoji="1" lang="en-US" altLang="ja-JP" dirty="0" err="1"/>
+              <a:t>DB:Qdrant</a:t>
+            </a:r>
             <a:endParaRPr kumimoji="1" lang="ja-JP" altLang="en-US" dirty="0"/>
           </a:p>
         </p:txBody>
@@ -5591,6 +5624,36 @@
               <a:rPr lang="ja-JP" altLang="en-US" dirty="0"/>
               <a:t>ファイルの内容を検索拡張生成してチャットで問い合わせ出来るようにする。</a:t>
             </a:r>
+            <a:endParaRPr lang="en-US" altLang="ja-JP" dirty="0"/>
+          </a:p>
+          <a:p>
+            <a:pPr marL="0" indent="0">
+              <a:buNone/>
+            </a:pPr>
+            <a:endParaRPr lang="en-US" altLang="ja-JP" dirty="0"/>
+          </a:p>
+          <a:p>
+            <a:pPr marL="0" indent="0">
+              <a:buNone/>
+            </a:pPr>
+            <a:r>
+              <a:rPr lang="ja-JP" altLang="en-US" dirty="0"/>
+              <a:t>・</a:t>
+            </a:r>
+            <a:r>
+              <a:rPr lang="en-US" altLang="ja-JP" dirty="0"/>
+              <a:t>pdf</a:t>
+            </a:r>
+            <a:r>
+              <a:rPr lang="ja-JP" altLang="en-US" dirty="0"/>
+              <a:t>ファイルの内容</a:t>
+            </a:r>
+            <a:endParaRPr lang="en-US" altLang="ja-JP" dirty="0"/>
+          </a:p>
+          <a:p>
+            <a:pPr marL="0" indent="0">
+              <a:buNone/>
+            </a:pPr>
             <a:endParaRPr lang="en-US" altLang="ja-JP" dirty="0"/>
           </a:p>
           <a:p>
@@ -9202,7 +9265,7 @@
             </a:r>
             <a:r>
               <a:rPr lang="ja-JP" altLang="en-US" dirty="0"/>
-              <a:t>補足：ラズパイ再起動したときのサーバー再起動手順</a:t>
+              <a:t>補足：ラズパイを再起動したときのサーバー起動手順</a:t>
             </a:r>
             <a:endParaRPr lang="en-US" altLang="ja-JP" dirty="0"/>
           </a:p>
@@ -9334,6 +9397,66 @@
             <a:normAutofit/>
           </a:bodyPr>
           <a:lstStyle/>
+          <a:p>
+            <a:pPr marL="0" indent="0">
+              <a:buNone/>
+            </a:pPr>
+            <a:r>
+              <a:rPr lang="en-US" altLang="ja-JP" dirty="0">
+                <a:hlinkClick r:id="rId2"/>
+              </a:rPr>
+              <a:t>(1)</a:t>
+            </a:r>
+            <a:r>
+              <a:rPr lang="ja-JP" altLang="en-US" dirty="0">
+                <a:hlinkClick r:id="rId2"/>
+              </a:rPr>
+              <a:t> 🦜️🔗 </a:t>
+            </a:r>
+            <a:r>
+              <a:rPr lang="en-US" altLang="ja-JP" dirty="0" err="1">
+                <a:hlinkClick r:id="rId2"/>
+              </a:rPr>
+              <a:t>LangChain</a:t>
+            </a:r>
+            <a:r>
+              <a:rPr lang="ja-JP" altLang="en-US" dirty="0">
+                <a:hlinkClick r:id="rId2"/>
+              </a:rPr>
+              <a:t>と</a:t>
+            </a:r>
+            <a:r>
+              <a:rPr lang="en-US" altLang="ja-JP" dirty="0">
+                <a:hlinkClick r:id="rId2"/>
+              </a:rPr>
+              <a:t>RAG: Embedding</a:t>
+            </a:r>
+            <a:r>
+              <a:rPr lang="ja-JP" altLang="en-US" dirty="0">
+                <a:hlinkClick r:id="rId2"/>
+              </a:rPr>
+              <a:t>で外部データを利用する </a:t>
+            </a:r>
+            <a:r>
+              <a:rPr lang="en-US" altLang="ja-JP" dirty="0">
+                <a:hlinkClick r:id="rId2"/>
+              </a:rPr>
+              <a:t>| </a:t>
+            </a:r>
+            <a:r>
+              <a:rPr lang="en-US" altLang="ja-JP" dirty="0" err="1">
+                <a:hlinkClick r:id="rId2"/>
+              </a:rPr>
+              <a:t>CyberAgent</a:t>
+            </a:r>
+            <a:r>
+              <a:rPr lang="en-US" altLang="ja-JP" dirty="0">
+                <a:hlinkClick r:id="rId2"/>
+              </a:rPr>
+              <a:t> Developers Blog</a:t>
+            </a:r>
+            <a:endParaRPr kumimoji="1" lang="en-US" altLang="ja-JP" dirty="0"/>
+          </a:p>
           <a:p>
             <a:pPr marL="0" indent="0">
               <a:buNone/>

--- a/raspberry-pi-report/RAGの検証_Gemma2_qdrant.pptx
+++ b/raspberry-pi-report/RAGの検証_Gemma2_qdrant.pptx
@@ -10,9 +10,11 @@
     <p:sldId id="266" r:id="rId4"/>
     <p:sldId id="270" r:id="rId5"/>
     <p:sldId id="263" r:id="rId6"/>
-    <p:sldId id="271" r:id="rId7"/>
-    <p:sldId id="265" r:id="rId8"/>
-    <p:sldId id="264" r:id="rId9"/>
+    <p:sldId id="273" r:id="rId7"/>
+    <p:sldId id="271" r:id="rId8"/>
+    <p:sldId id="274" r:id="rId9"/>
+    <p:sldId id="265" r:id="rId10"/>
+    <p:sldId id="264" r:id="rId11"/>
   </p:sldIdLst>
   <p:sldSz cx="12192000" cy="6858000"/>
   <p:notesSz cx="6858000" cy="9144000"/>
@@ -122,7 +124,7 @@
 <file path=ppt/revisionInfo.xml><?xml version="1.0" encoding="utf-8"?>
 <p1510:revInfo xmlns:a="http://schemas.openxmlformats.org/drawingml/2006/main" xmlns:r="http://schemas.openxmlformats.org/officeDocument/2006/relationships" xmlns:p1510="http://schemas.microsoft.com/office/powerpoint/2015/10/main">
   <p1510:revLst>
-    <p1510:client id="{08F20566-51F3-49C8-9CDF-DEA9540ACD2F}" v="8" dt="2024-09-25T15:51:05.787"/>
+    <p1510:client id="{08F20566-51F3-49C8-9CDF-DEA9540ACD2F}" v="16" dt="2024-10-14T14:54:00.673"/>
   </p1510:revLst>
 </p1510:revInfo>
 </file>
@@ -185,7 +187,7 @@
   <pc:docChgLst>
     <pc:chgData name="Yoshiharu Hamaguchi" userId="470e288704938fe9" providerId="LiveId" clId="{08F20566-51F3-49C8-9CDF-DEA9540ACD2F}"/>
     <pc:docChg chg="undo custSel addSld delSld modSld sldOrd">
-      <pc:chgData name="Yoshiharu Hamaguchi" userId="470e288704938fe9" providerId="LiveId" clId="{08F20566-51F3-49C8-9CDF-DEA9540ACD2F}" dt="2024-10-08T00:01:25.924" v="825" actId="20577"/>
+      <pc:chgData name="Yoshiharu Hamaguchi" userId="470e288704938fe9" providerId="LiveId" clId="{08F20566-51F3-49C8-9CDF-DEA9540ACD2F}" dt="2024-10-14T15:07:21.992" v="2176" actId="207"/>
       <pc:docMkLst>
         <pc:docMk/>
       </pc:docMkLst>
@@ -251,12 +253,20 @@
           </ac:spMkLst>
         </pc:spChg>
       </pc:sldChg>
-      <pc:sldChg chg="del">
-        <pc:chgData name="Yoshiharu Hamaguchi" userId="470e288704938fe9" providerId="LiveId" clId="{08F20566-51F3-49C8-9CDF-DEA9540ACD2F}" dt="2024-09-25T15:50:37.789" v="296" actId="47"/>
+      <pc:sldChg chg="modSp del mod">
+        <pc:chgData name="Yoshiharu Hamaguchi" userId="470e288704938fe9" providerId="LiveId" clId="{08F20566-51F3-49C8-9CDF-DEA9540ACD2F}" dt="2024-10-14T14:10:03.352" v="1031" actId="20577"/>
         <pc:sldMkLst>
           <pc:docMk/>
           <pc:sldMk cId="958570635" sldId="263"/>
         </pc:sldMkLst>
+        <pc:spChg chg="mod">
+          <ac:chgData name="Yoshiharu Hamaguchi" userId="470e288704938fe9" providerId="LiveId" clId="{08F20566-51F3-49C8-9CDF-DEA9540ACD2F}" dt="2024-10-14T14:10:03.352" v="1031" actId="20577"/>
+          <ac:spMkLst>
+            <pc:docMk/>
+            <pc:sldMk cId="958570635" sldId="263"/>
+            <ac:spMk id="2" creationId="{9C784ACA-9376-15C6-DD93-68B5D582FADA}"/>
+          </ac:spMkLst>
+        </pc:spChg>
       </pc:sldChg>
       <pc:sldChg chg="modSp mod">
         <pc:chgData name="Yoshiharu Hamaguchi" userId="470e288704938fe9" providerId="LiveId" clId="{08F20566-51F3-49C8-9CDF-DEA9540ACD2F}" dt="2024-10-07T23:12:57.694" v="689"/>
@@ -597,7 +607,7 @@
         </pc:spChg>
       </pc:sldChg>
       <pc:sldChg chg="addSp delSp modSp add mod">
-        <pc:chgData name="Yoshiharu Hamaguchi" userId="470e288704938fe9" providerId="LiveId" clId="{08F20566-51F3-49C8-9CDF-DEA9540ACD2F}" dt="2024-09-25T15:50:15.105" v="295" actId="14100"/>
+        <pc:chgData name="Yoshiharu Hamaguchi" userId="470e288704938fe9" providerId="LiveId" clId="{08F20566-51F3-49C8-9CDF-DEA9540ACD2F}" dt="2024-10-14T14:43:34.388" v="1772" actId="207"/>
         <pc:sldMkLst>
           <pc:docMk/>
           <pc:sldMk cId="2038620804" sldId="270"/>
@@ -608,6 +618,14 @@
             <pc:docMk/>
             <pc:sldMk cId="2038620804" sldId="270"/>
             <ac:spMk id="33" creationId="{0FB338FD-35EF-30D7-06A9-7A1B992B2830}"/>
+          </ac:spMkLst>
+        </pc:spChg>
+        <pc:spChg chg="mod">
+          <ac:chgData name="Yoshiharu Hamaguchi" userId="470e288704938fe9" providerId="LiveId" clId="{08F20566-51F3-49C8-9CDF-DEA9540ACD2F}" dt="2024-10-14T14:43:34.388" v="1772" actId="207"/>
+          <ac:spMkLst>
+            <pc:docMk/>
+            <pc:sldMk cId="2038620804" sldId="270"/>
+            <ac:spMk id="35" creationId="{1AFFE9F5-AE2D-EBB6-D84B-C52DD42E357B}"/>
           </ac:spMkLst>
         </pc:spChg>
         <pc:spChg chg="mod">
@@ -779,17 +797,118 @@
           </ac:cxnSpMkLst>
         </pc:cxnChg>
       </pc:sldChg>
-      <pc:sldChg chg="modSp mod">
-        <pc:chgData name="Yoshiharu Hamaguchi" userId="470e288704938fe9" providerId="LiveId" clId="{08F20566-51F3-49C8-9CDF-DEA9540ACD2F}" dt="2024-10-01T13:45:52.538" v="678" actId="20577"/>
+      <pc:sldChg chg="addSp modSp mod">
+        <pc:chgData name="Yoshiharu Hamaguchi" userId="470e288704938fe9" providerId="LiveId" clId="{08F20566-51F3-49C8-9CDF-DEA9540ACD2F}" dt="2024-10-14T14:55:12.242" v="1996" actId="20577"/>
         <pc:sldMkLst>
           <pc:docMk/>
           <pc:sldMk cId="3824521246" sldId="271"/>
         </pc:sldMkLst>
         <pc:spChg chg="mod">
-          <ac:chgData name="Yoshiharu Hamaguchi" userId="470e288704938fe9" providerId="LiveId" clId="{08F20566-51F3-49C8-9CDF-DEA9540ACD2F}" dt="2024-10-01T13:45:52.538" v="678" actId="20577"/>
+          <ac:chgData name="Yoshiharu Hamaguchi" userId="470e288704938fe9" providerId="LiveId" clId="{08F20566-51F3-49C8-9CDF-DEA9540ACD2F}" dt="2024-10-14T14:10:12.154" v="1035" actId="20577"/>
           <ac:spMkLst>
             <pc:docMk/>
             <pc:sldMk cId="3824521246" sldId="271"/>
+            <ac:spMk id="2" creationId="{9C784ACA-9376-15C6-DD93-68B5D582FADA}"/>
+          </ac:spMkLst>
+        </pc:spChg>
+        <pc:spChg chg="mod">
+          <ac:chgData name="Yoshiharu Hamaguchi" userId="470e288704938fe9" providerId="LiveId" clId="{08F20566-51F3-49C8-9CDF-DEA9540ACD2F}" dt="2024-10-14T14:55:12.242" v="1996" actId="20577"/>
+          <ac:spMkLst>
+            <pc:docMk/>
+            <pc:sldMk cId="3824521246" sldId="271"/>
+            <ac:spMk id="3" creationId="{37025C41-8921-578C-16F8-6B5CF0A93AE0}"/>
+          </ac:spMkLst>
+        </pc:spChg>
+        <pc:spChg chg="add">
+          <ac:chgData name="Yoshiharu Hamaguchi" userId="470e288704938fe9" providerId="LiveId" clId="{08F20566-51F3-49C8-9CDF-DEA9540ACD2F}" dt="2024-10-14T14:53:53.794" v="1785"/>
+          <ac:spMkLst>
+            <pc:docMk/>
+            <pc:sldMk cId="3824521246" sldId="271"/>
+            <ac:spMk id="4" creationId="{CA174F23-9855-E028-4A62-3F71C4DAC1A3}"/>
+          </ac:spMkLst>
+        </pc:spChg>
+        <pc:spChg chg="add">
+          <ac:chgData name="Yoshiharu Hamaguchi" userId="470e288704938fe9" providerId="LiveId" clId="{08F20566-51F3-49C8-9CDF-DEA9540ACD2F}" dt="2024-10-14T14:53:56.995" v="1788"/>
+          <ac:spMkLst>
+            <pc:docMk/>
+            <pc:sldMk cId="3824521246" sldId="271"/>
+            <ac:spMk id="5" creationId="{418E7477-B057-0DA5-0A4F-E555168A09C8}"/>
+          </ac:spMkLst>
+        </pc:spChg>
+      </pc:sldChg>
+      <pc:sldChg chg="modSp add del mod">
+        <pc:chgData name="Yoshiharu Hamaguchi" userId="470e288704938fe9" providerId="LiveId" clId="{08F20566-51F3-49C8-9CDF-DEA9540ACD2F}" dt="2024-10-14T14:05:41.904" v="900" actId="2696"/>
+        <pc:sldMkLst>
+          <pc:docMk/>
+          <pc:sldMk cId="3337653340" sldId="272"/>
+        </pc:sldMkLst>
+        <pc:spChg chg="mod">
+          <ac:chgData name="Yoshiharu Hamaguchi" userId="470e288704938fe9" providerId="LiveId" clId="{08F20566-51F3-49C8-9CDF-DEA9540ACD2F}" dt="2024-10-14T14:05:11.106" v="896" actId="20577"/>
+          <ac:spMkLst>
+            <pc:docMk/>
+            <pc:sldMk cId="3337653340" sldId="272"/>
+            <ac:spMk id="2" creationId="{9C784ACA-9376-15C6-DD93-68B5D582FADA}"/>
+          </ac:spMkLst>
+        </pc:spChg>
+        <pc:spChg chg="mod">
+          <ac:chgData name="Yoshiharu Hamaguchi" userId="470e288704938fe9" providerId="LiveId" clId="{08F20566-51F3-49C8-9CDF-DEA9540ACD2F}" dt="2024-10-14T14:05:24.342" v="898" actId="27636"/>
+          <ac:spMkLst>
+            <pc:docMk/>
+            <pc:sldMk cId="3337653340" sldId="272"/>
+            <ac:spMk id="3" creationId="{37025C41-8921-578C-16F8-6B5CF0A93AE0}"/>
+          </ac:spMkLst>
+        </pc:spChg>
+      </pc:sldChg>
+      <pc:sldChg chg="addSp modSp add mod">
+        <pc:chgData name="Yoshiharu Hamaguchi" userId="470e288704938fe9" providerId="LiveId" clId="{08F20566-51F3-49C8-9CDF-DEA9540ACD2F}" dt="2024-10-14T15:07:21.992" v="2176" actId="207"/>
+        <pc:sldMkLst>
+          <pc:docMk/>
+          <pc:sldMk cId="998559321" sldId="273"/>
+        </pc:sldMkLst>
+        <pc:spChg chg="mod">
+          <ac:chgData name="Yoshiharu Hamaguchi" userId="470e288704938fe9" providerId="LiveId" clId="{08F20566-51F3-49C8-9CDF-DEA9540ACD2F}" dt="2024-10-14T14:10:07.305" v="1033" actId="20577"/>
+          <ac:spMkLst>
+            <pc:docMk/>
+            <pc:sldMk cId="998559321" sldId="273"/>
+            <ac:spMk id="2" creationId="{9C784ACA-9376-15C6-DD93-68B5D582FADA}"/>
+          </ac:spMkLst>
+        </pc:spChg>
+        <pc:spChg chg="mod">
+          <ac:chgData name="Yoshiharu Hamaguchi" userId="470e288704938fe9" providerId="LiveId" clId="{08F20566-51F3-49C8-9CDF-DEA9540ACD2F}" dt="2024-10-14T15:07:21.992" v="2176" actId="207"/>
+          <ac:spMkLst>
+            <pc:docMk/>
+            <pc:sldMk cId="998559321" sldId="273"/>
+            <ac:spMk id="3" creationId="{37025C41-8921-578C-16F8-6B5CF0A93AE0}"/>
+          </ac:spMkLst>
+        </pc:spChg>
+        <pc:picChg chg="add mod">
+          <ac:chgData name="Yoshiharu Hamaguchi" userId="470e288704938fe9" providerId="LiveId" clId="{08F20566-51F3-49C8-9CDF-DEA9540ACD2F}" dt="2024-10-14T15:04:48.856" v="2171" actId="1076"/>
+          <ac:picMkLst>
+            <pc:docMk/>
+            <pc:sldMk cId="998559321" sldId="273"/>
+            <ac:picMk id="5" creationId="{BBCECF47-4A2A-AE48-EEBF-76F88C50BD39}"/>
+          </ac:picMkLst>
+        </pc:picChg>
+      </pc:sldChg>
+      <pc:sldChg chg="modSp add mod">
+        <pc:chgData name="Yoshiharu Hamaguchi" userId="470e288704938fe9" providerId="LiveId" clId="{08F20566-51F3-49C8-9CDF-DEA9540ACD2F}" dt="2024-10-14T14:16:09.580" v="1589" actId="20577"/>
+        <pc:sldMkLst>
+          <pc:docMk/>
+          <pc:sldMk cId="3338978982" sldId="274"/>
+        </pc:sldMkLst>
+        <pc:spChg chg="mod">
+          <ac:chgData name="Yoshiharu Hamaguchi" userId="470e288704938fe9" providerId="LiveId" clId="{08F20566-51F3-49C8-9CDF-DEA9540ACD2F}" dt="2024-10-14T14:10:45.573" v="1041" actId="20577"/>
+          <ac:spMkLst>
+            <pc:docMk/>
+            <pc:sldMk cId="3338978982" sldId="274"/>
+            <ac:spMk id="2" creationId="{9C784ACA-9376-15C6-DD93-68B5D582FADA}"/>
+          </ac:spMkLst>
+        </pc:spChg>
+        <pc:spChg chg="mod">
+          <ac:chgData name="Yoshiharu Hamaguchi" userId="470e288704938fe9" providerId="LiveId" clId="{08F20566-51F3-49C8-9CDF-DEA9540ACD2F}" dt="2024-10-14T14:16:09.580" v="1589" actId="20577"/>
+          <ac:spMkLst>
+            <pc:docMk/>
+            <pc:sldMk cId="3338978982" sldId="274"/>
             <ac:spMk id="3" creationId="{37025C41-8921-578C-16F8-6B5CF0A93AE0}"/>
           </ac:spMkLst>
         </pc:spChg>
@@ -1879,7 +1998,7 @@
           <a:p>
             <a:fld id="{9627246E-3903-4E01-B28D-BFF5567D65C3}" type="datetimeFigureOut">
               <a:rPr kumimoji="1" lang="ja-JP" altLang="en-US" smtClean="0"/>
-              <a:t>2024/10/8</a:t>
+              <a:t>2024/10/14</a:t>
             </a:fld>
             <a:endParaRPr kumimoji="1" lang="ja-JP" altLang="en-US"/>
           </a:p>
@@ -2109,7 +2228,7 @@
           <a:p>
             <a:fld id="{9627246E-3903-4E01-B28D-BFF5567D65C3}" type="datetimeFigureOut">
               <a:rPr kumimoji="1" lang="ja-JP" altLang="en-US" smtClean="0"/>
-              <a:t>2024/10/8</a:t>
+              <a:t>2024/10/14</a:t>
             </a:fld>
             <a:endParaRPr kumimoji="1" lang="ja-JP" altLang="en-US"/>
           </a:p>
@@ -2349,7 +2468,7 @@
           <a:p>
             <a:fld id="{9627246E-3903-4E01-B28D-BFF5567D65C3}" type="datetimeFigureOut">
               <a:rPr kumimoji="1" lang="ja-JP" altLang="en-US" smtClean="0"/>
-              <a:t>2024/10/8</a:t>
+              <a:t>2024/10/14</a:t>
             </a:fld>
             <a:endParaRPr kumimoji="1" lang="ja-JP" altLang="en-US"/>
           </a:p>
@@ -2579,7 +2698,7 @@
           <a:p>
             <a:fld id="{9627246E-3903-4E01-B28D-BFF5567D65C3}" type="datetimeFigureOut">
               <a:rPr kumimoji="1" lang="ja-JP" altLang="en-US" smtClean="0"/>
-              <a:t>2024/10/8</a:t>
+              <a:t>2024/10/14</a:t>
             </a:fld>
             <a:endParaRPr kumimoji="1" lang="ja-JP" altLang="en-US"/>
           </a:p>
@@ -2854,7 +2973,7 @@
           <a:p>
             <a:fld id="{9627246E-3903-4E01-B28D-BFF5567D65C3}" type="datetimeFigureOut">
               <a:rPr kumimoji="1" lang="ja-JP" altLang="en-US" smtClean="0"/>
-              <a:t>2024/10/8</a:t>
+              <a:t>2024/10/14</a:t>
             </a:fld>
             <a:endParaRPr kumimoji="1" lang="ja-JP" altLang="en-US"/>
           </a:p>
@@ -3183,7 +3302,7 @@
           <a:p>
             <a:fld id="{9627246E-3903-4E01-B28D-BFF5567D65C3}" type="datetimeFigureOut">
               <a:rPr kumimoji="1" lang="ja-JP" altLang="en-US" smtClean="0"/>
-              <a:t>2024/10/8</a:t>
+              <a:t>2024/10/14</a:t>
             </a:fld>
             <a:endParaRPr kumimoji="1" lang="ja-JP" altLang="en-US"/>
           </a:p>
@@ -3659,7 +3778,7 @@
           <a:p>
             <a:fld id="{9627246E-3903-4E01-B28D-BFF5567D65C3}" type="datetimeFigureOut">
               <a:rPr kumimoji="1" lang="ja-JP" altLang="en-US" smtClean="0"/>
-              <a:t>2024/10/8</a:t>
+              <a:t>2024/10/14</a:t>
             </a:fld>
             <a:endParaRPr kumimoji="1" lang="ja-JP" altLang="en-US"/>
           </a:p>
@@ -3800,7 +3919,7 @@
           <a:p>
             <a:fld id="{9627246E-3903-4E01-B28D-BFF5567D65C3}" type="datetimeFigureOut">
               <a:rPr kumimoji="1" lang="ja-JP" altLang="en-US" smtClean="0"/>
-              <a:t>2024/10/8</a:t>
+              <a:t>2024/10/14</a:t>
             </a:fld>
             <a:endParaRPr kumimoji="1" lang="ja-JP" altLang="en-US"/>
           </a:p>
@@ -3913,7 +4032,7 @@
           <a:p>
             <a:fld id="{9627246E-3903-4E01-B28D-BFF5567D65C3}" type="datetimeFigureOut">
               <a:rPr kumimoji="1" lang="ja-JP" altLang="en-US" smtClean="0"/>
-              <a:t>2024/10/8</a:t>
+              <a:t>2024/10/14</a:t>
             </a:fld>
             <a:endParaRPr kumimoji="1" lang="ja-JP" altLang="en-US"/>
           </a:p>
@@ -4256,7 +4375,7 @@
           <a:p>
             <a:fld id="{9627246E-3903-4E01-B28D-BFF5567D65C3}" type="datetimeFigureOut">
               <a:rPr kumimoji="1" lang="ja-JP" altLang="en-US" smtClean="0"/>
-              <a:t>2024/10/8</a:t>
+              <a:t>2024/10/14</a:t>
             </a:fld>
             <a:endParaRPr kumimoji="1" lang="ja-JP" altLang="en-US"/>
           </a:p>
@@ -4544,7 +4663,7 @@
           <a:p>
             <a:fld id="{9627246E-3903-4E01-B28D-BFF5567D65C3}" type="datetimeFigureOut">
               <a:rPr kumimoji="1" lang="ja-JP" altLang="en-US" smtClean="0"/>
-              <a:t>2024/10/8</a:t>
+              <a:t>2024/10/14</a:t>
             </a:fld>
             <a:endParaRPr kumimoji="1" lang="ja-JP" altLang="en-US"/>
           </a:p>
@@ -4817,7 +4936,7 @@
           <a:p>
             <a:fld id="{9627246E-3903-4E01-B28D-BFF5567D65C3}" type="datetimeFigureOut">
               <a:rPr kumimoji="1" lang="ja-JP" altLang="en-US" smtClean="0"/>
-              <a:t>2024/10/8</a:t>
+              <a:t>2024/10/14</a:t>
             </a:fld>
             <a:endParaRPr kumimoji="1" lang="ja-JP" altLang="en-US"/>
           </a:p>
@@ -5322,6 +5441,166 @@
 </p:sld>
 </file>
 
+<file path=ppt/slides/slide10.xml><?xml version="1.0" encoding="utf-8"?>
+<p:sld xmlns:a="http://schemas.openxmlformats.org/drawingml/2006/main" xmlns:r="http://schemas.openxmlformats.org/officeDocument/2006/relationships" xmlns:p="http://schemas.openxmlformats.org/presentationml/2006/main">
+  <p:cSld>
+    <p:spTree>
+      <p:nvGrpSpPr>
+        <p:cNvPr id="1" name=""/>
+        <p:cNvGrpSpPr/>
+        <p:nvPr/>
+      </p:nvGrpSpPr>
+      <p:grpSpPr>
+        <a:xfrm>
+          <a:off x="0" y="0"/>
+          <a:ext cx="0" cy="0"/>
+          <a:chOff x="0" y="0"/>
+          <a:chExt cx="0" cy="0"/>
+        </a:xfrm>
+      </p:grpSpPr>
+      <p:sp>
+        <p:nvSpPr>
+          <p:cNvPr id="2" name="タイトル 1">
+            <a:extLst>
+              <a:ext uri="{FF2B5EF4-FFF2-40B4-BE49-F238E27FC236}">
+                <a16:creationId xmlns:a16="http://schemas.microsoft.com/office/drawing/2014/main" id="{9C784ACA-9376-15C6-DD93-68B5D582FADA}"/>
+              </a:ext>
+            </a:extLst>
+          </p:cNvPr>
+          <p:cNvSpPr>
+            <a:spLocks noGrp="1"/>
+          </p:cNvSpPr>
+          <p:nvPr>
+            <p:ph type="title"/>
+          </p:nvPr>
+        </p:nvSpPr>
+        <p:spPr/>
+        <p:txBody>
+          <a:bodyPr/>
+          <a:lstStyle/>
+          <a:p>
+            <a:r>
+              <a:rPr kumimoji="1" lang="ja-JP" altLang="en-US" dirty="0"/>
+              <a:t>引用サイト</a:t>
+            </a:r>
+          </a:p>
+        </p:txBody>
+      </p:sp>
+      <p:sp>
+        <p:nvSpPr>
+          <p:cNvPr id="3" name="コンテンツ プレースホルダー 2">
+            <a:extLst>
+              <a:ext uri="{FF2B5EF4-FFF2-40B4-BE49-F238E27FC236}">
+                <a16:creationId xmlns:a16="http://schemas.microsoft.com/office/drawing/2014/main" id="{37025C41-8921-578C-16F8-6B5CF0A93AE0}"/>
+              </a:ext>
+            </a:extLst>
+          </p:cNvPr>
+          <p:cNvSpPr>
+            <a:spLocks noGrp="1"/>
+          </p:cNvSpPr>
+          <p:nvPr>
+            <p:ph idx="1"/>
+          </p:nvPr>
+        </p:nvSpPr>
+        <p:spPr/>
+        <p:txBody>
+          <a:bodyPr>
+            <a:normAutofit/>
+          </a:bodyPr>
+          <a:lstStyle/>
+          <a:p>
+            <a:pPr marL="0" indent="0">
+              <a:buNone/>
+            </a:pPr>
+            <a:r>
+              <a:rPr lang="en-US" altLang="ja-JP" dirty="0">
+                <a:hlinkClick r:id="rId2"/>
+              </a:rPr>
+              <a:t>(1)</a:t>
+            </a:r>
+            <a:r>
+              <a:rPr lang="ja-JP" altLang="en-US" dirty="0">
+                <a:hlinkClick r:id="rId2"/>
+              </a:rPr>
+              <a:t> 🦜️🔗 </a:t>
+            </a:r>
+            <a:r>
+              <a:rPr lang="en-US" altLang="ja-JP" dirty="0" err="1">
+                <a:hlinkClick r:id="rId2"/>
+              </a:rPr>
+              <a:t>LangChain</a:t>
+            </a:r>
+            <a:r>
+              <a:rPr lang="ja-JP" altLang="en-US" dirty="0">
+                <a:hlinkClick r:id="rId2"/>
+              </a:rPr>
+              <a:t>と</a:t>
+            </a:r>
+            <a:r>
+              <a:rPr lang="en-US" altLang="ja-JP" dirty="0">
+                <a:hlinkClick r:id="rId2"/>
+              </a:rPr>
+              <a:t>RAG: Embedding</a:t>
+            </a:r>
+            <a:r>
+              <a:rPr lang="ja-JP" altLang="en-US" dirty="0">
+                <a:hlinkClick r:id="rId2"/>
+              </a:rPr>
+              <a:t>で外部データを利用する </a:t>
+            </a:r>
+            <a:r>
+              <a:rPr lang="en-US" altLang="ja-JP" dirty="0">
+                <a:hlinkClick r:id="rId2"/>
+              </a:rPr>
+              <a:t>| </a:t>
+            </a:r>
+            <a:r>
+              <a:rPr lang="en-US" altLang="ja-JP" dirty="0" err="1">
+                <a:hlinkClick r:id="rId2"/>
+              </a:rPr>
+              <a:t>CyberAgent</a:t>
+            </a:r>
+            <a:r>
+              <a:rPr lang="en-US" altLang="ja-JP" dirty="0">
+                <a:hlinkClick r:id="rId2"/>
+              </a:rPr>
+              <a:t> Developers Blog</a:t>
+            </a:r>
+            <a:endParaRPr kumimoji="1" lang="en-US" altLang="ja-JP" dirty="0"/>
+          </a:p>
+          <a:p>
+            <a:pPr marL="0" indent="0">
+              <a:buNone/>
+            </a:pPr>
+            <a:endParaRPr kumimoji="1" lang="en-US" altLang="ja-JP" dirty="0"/>
+          </a:p>
+          <a:p>
+            <a:pPr marL="0" indent="0">
+              <a:buNone/>
+            </a:pPr>
+            <a:endParaRPr kumimoji="1" lang="en-US" altLang="ja-JP" dirty="0"/>
+          </a:p>
+          <a:p>
+            <a:pPr marL="0" indent="0">
+              <a:buNone/>
+            </a:pPr>
+            <a:endParaRPr kumimoji="1" lang="en-US" altLang="ja-JP" dirty="0"/>
+          </a:p>
+        </p:txBody>
+      </p:sp>
+    </p:spTree>
+    <p:extLst>
+      <p:ext uri="{BB962C8B-B14F-4D97-AF65-F5344CB8AC3E}">
+        <p14:creationId xmlns:p14="http://schemas.microsoft.com/office/powerpoint/2010/main" val="3365730422"/>
+      </p:ext>
+    </p:extLst>
+  </p:cSld>
+  <p:clrMapOvr>
+    <a:masterClrMapping/>
+  </p:clrMapOvr>
+</p:sld>
+</file>
+
 <file path=ppt/slides/slide2.xml><?xml version="1.0" encoding="utf-8"?>
 <p:sld xmlns:a="http://schemas.openxmlformats.org/drawingml/2006/main" xmlns:r="http://schemas.openxmlformats.org/officeDocument/2006/relationships" xmlns:p="http://schemas.openxmlformats.org/presentationml/2006/main">
   <p:cSld>
@@ -6302,7 +6581,7 @@
         <p:spPr>
           <a:xfrm>
             <a:off x="5925582" y="1947939"/>
-            <a:ext cx="1143003" cy="369332"/>
+            <a:ext cx="5539369" cy="646331"/>
           </a:xfrm>
           <a:prstGeom prst="rect">
             <a:avLst/>
@@ -6326,6 +6605,65 @@
               <a:rPr lang="en-US" altLang="ja-JP" dirty="0"/>
               <a:t>Python</a:t>
             </a:r>
+            <a:r>
+              <a:rPr lang="ja-JP" altLang="en-US" dirty="0"/>
+              <a:t> </a:t>
+            </a:r>
+            <a:r>
+              <a:rPr lang="en-US" altLang="ja-JP" dirty="0">
+                <a:solidFill>
+                  <a:srgbClr val="FF0000"/>
+                </a:solidFill>
+              </a:rPr>
+              <a:t>※</a:t>
+            </a:r>
+            <a:r>
+              <a:rPr lang="ja-JP" altLang="en-US" dirty="0">
+                <a:solidFill>
+                  <a:srgbClr val="FF0000"/>
+                </a:solidFill>
+              </a:rPr>
+              <a:t>現在</a:t>
+            </a:r>
+            <a:r>
+              <a:rPr lang="en-US" altLang="ja-JP" dirty="0">
+                <a:solidFill>
+                  <a:srgbClr val="FF0000"/>
+                </a:solidFill>
+              </a:rPr>
+              <a:t>3.11</a:t>
+            </a:r>
+            <a:r>
+              <a:rPr lang="ja-JP" altLang="en-US" dirty="0">
+                <a:solidFill>
+                  <a:srgbClr val="FF0000"/>
+                </a:solidFill>
+              </a:rPr>
+              <a:t>以降は</a:t>
+            </a:r>
+            <a:r>
+              <a:rPr lang="en-US" altLang="ja-JP" dirty="0" err="1">
+                <a:solidFill>
+                  <a:srgbClr val="FF0000"/>
+                </a:solidFill>
+              </a:rPr>
+              <a:t>llama_index</a:t>
+            </a:r>
+            <a:r>
+              <a:rPr lang="ja-JP" altLang="en-US" dirty="0">
+                <a:solidFill>
+                  <a:srgbClr val="FF0000"/>
+                </a:solidFill>
+              </a:rPr>
+              <a:t>は使えない</a:t>
+            </a:r>
+            <a:r>
+              <a:rPr lang="ja-JP" altLang="en-US" dirty="0"/>
+              <a:t> </a:t>
+            </a:r>
+            <a:endParaRPr lang="en-US" altLang="ja-JP" dirty="0"/>
+          </a:p>
+          <a:p>
             <a:endParaRPr lang="ja-JP" altLang="en-US" dirty="0"/>
           </a:p>
         </p:txBody>
@@ -8393,8 +8731,12 @@
               <a:t>/</a:t>
             </a:r>
             <a:r>
+              <a:rPr lang="ja-JP" altLang="en-US" dirty="0"/>
+              <a:t>４</a:t>
+            </a:r>
+            <a:r>
               <a:rPr kumimoji="1" lang="ja-JP" altLang="en-US" dirty="0"/>
-              <a:t>２）</a:t>
+              <a:t>）</a:t>
             </a:r>
           </a:p>
         </p:txBody>
@@ -8738,7 +9080,19 @@
           <a:p>
             <a:r>
               <a:rPr kumimoji="1" lang="ja-JP" altLang="en-US" dirty="0"/>
-              <a:t>環境インストール手順（２／２）</a:t>
+              <a:t>環境インストール手順（</a:t>
+            </a:r>
+            <a:r>
+              <a:rPr lang="ja-JP" altLang="en-US" dirty="0"/>
+              <a:t>２</a:t>
+            </a:r>
+            <a:r>
+              <a:rPr kumimoji="1" lang="en-US" altLang="ja-JP" dirty="0"/>
+              <a:t>/</a:t>
+            </a:r>
+            <a:r>
+              <a:rPr kumimoji="1" lang="ja-JP" altLang="en-US" dirty="0"/>
+              <a:t>４）</a:t>
             </a:r>
           </a:p>
         </p:txBody>
@@ -8762,12 +9116,12 @@
         <p:spPr>
           <a:xfrm>
             <a:off x="847725" y="1825625"/>
-            <a:ext cx="10515600" cy="4351338"/>
+            <a:ext cx="10515600" cy="4667250"/>
           </a:xfrm>
         </p:spPr>
         <p:txBody>
           <a:bodyPr>
-            <a:normAutofit fontScale="92500" lnSpcReduction="20000"/>
+            <a:normAutofit/>
           </a:bodyPr>
           <a:lstStyle/>
           <a:p>
@@ -8833,12 +9187,6 @@
             <a:pPr marL="0" indent="0">
               <a:buNone/>
             </a:pPr>
-            <a:endParaRPr lang="en-US" altLang="ja-JP" sz="1600" dirty="0"/>
-          </a:p>
-          <a:p>
-            <a:pPr marL="0" indent="0">
-              <a:buNone/>
-            </a:pPr>
             <a:r>
               <a:rPr lang="ja-JP" altLang="en-US" dirty="0"/>
               <a:t>⑤</a:t>
@@ -8858,237 +9206,57 @@
               <a:buNone/>
             </a:pPr>
             <a:r>
-              <a:rPr kumimoji="1" lang="fi-FI" altLang="ja-JP" sz="1600"/>
-              <a:t>$ docker </a:t>
-            </a:r>
-            <a:r>
               <a:rPr kumimoji="1" lang="fi-FI" altLang="ja-JP" sz="1600" dirty="0"/>
-              <a:t>run –d -p 6333:6333 -p 6334:6334 -v $(pwd)/qdrant_storage:/qdrant/storage:z --name qdrant qdrant/qdrant</a:t>
+              <a:t>$ docker run -d -p 6333:6333 -p 6334:6334 -v $(pwd)/qdrant_storage:/qdrant/storage:z --name qdrant qdrant/qdrant </a:t>
             </a:r>
           </a:p>
           <a:p>
             <a:pPr marL="0" indent="0">
               <a:buNone/>
             </a:pPr>
-            <a:endParaRPr lang="en-US" altLang="ja-JP" dirty="0"/>
-          </a:p>
-          <a:p>
-            <a:pPr marL="0" indent="0">
-              <a:buNone/>
-            </a:pPr>
-            <a:r>
-              <a:rPr lang="ja-JP" altLang="en-US" dirty="0"/>
-              <a:t>⑥</a:t>
-            </a:r>
-            <a:r>
-              <a:rPr lang="en-US" altLang="ja-JP" dirty="0"/>
-              <a:t>Python</a:t>
-            </a:r>
-            <a:r>
-              <a:rPr lang="ja-JP" altLang="en-US" dirty="0"/>
-              <a:t>の必要モジュールのインストール</a:t>
-            </a:r>
-            <a:endParaRPr lang="en-US" altLang="ja-JP" dirty="0"/>
-          </a:p>
-          <a:p>
-            <a:pPr marL="0" indent="0">
-              <a:buNone/>
-            </a:pPr>
-            <a:r>
-              <a:rPr lang="en-US" altLang="ja-JP" sz="1600" dirty="0"/>
-              <a:t>$ pip install </a:t>
-            </a:r>
-            <a:r>
-              <a:rPr lang="en-US" altLang="ja-JP" sz="1600" dirty="0" err="1"/>
-              <a:t>llama_index</a:t>
+            <a:r>
+              <a:rPr lang="en-US" altLang="ja-JP" sz="1600" dirty="0">
+                <a:solidFill>
+                  <a:srgbClr val="FF0000"/>
+                </a:solidFill>
+              </a:rPr>
+              <a:t>※</a:t>
+            </a:r>
+            <a:r>
+              <a:rPr lang="en-US" altLang="ja-JP" sz="1600" dirty="0" err="1">
+                <a:solidFill>
+                  <a:srgbClr val="FF0000"/>
+                </a:solidFill>
+              </a:rPr>
+              <a:t>qdrant</a:t>
             </a:r>
             <a:r>
               <a:rPr lang="ja-JP" altLang="en-US" sz="1600" dirty="0">
                 <a:solidFill>
-                  <a:srgbClr val="00B050"/>
+                  <a:srgbClr val="FF0000"/>
                 </a:solidFill>
               </a:rPr>
-              <a:t> </a:t>
+              <a:t>は</a:t>
             </a:r>
             <a:r>
               <a:rPr lang="en-US" altLang="ja-JP" sz="1600" dirty="0">
                 <a:solidFill>
-                  <a:srgbClr val="00B050"/>
+                  <a:srgbClr val="FF0000"/>
                 </a:solidFill>
               </a:rPr>
-              <a:t>--break-system-packages</a:t>
-            </a:r>
-          </a:p>
-          <a:p>
-            <a:pPr marL="0" indent="0">
-              <a:buNone/>
-            </a:pPr>
-            <a:r>
-              <a:rPr lang="en-US" altLang="ja-JP" sz="1600" dirty="0"/>
-              <a:t>$ pip install </a:t>
-            </a:r>
-            <a:r>
-              <a:rPr lang="en-US" altLang="ja-JP" sz="1600" dirty="0" err="1"/>
-              <a:t>llama_index-vector_stores-qdrant</a:t>
-            </a:r>
-            <a:r>
-              <a:rPr lang="en-US" altLang="ja-JP" sz="1600" dirty="0"/>
-              <a:t> </a:t>
+              <a:t>ARM64</a:t>
             </a:r>
             <a:r>
               <a:rPr lang="ja-JP" altLang="en-US" sz="1600" dirty="0">
                 <a:solidFill>
-                  <a:srgbClr val="00B050"/>
+                  <a:srgbClr val="FF0000"/>
                 </a:solidFill>
               </a:rPr>
-              <a:t> </a:t>
-            </a:r>
-            <a:r>
-              <a:rPr lang="en-US" altLang="ja-JP" sz="1600" dirty="0">
-                <a:solidFill>
-                  <a:srgbClr val="00B050"/>
-                </a:solidFill>
-              </a:rPr>
-              <a:t>--break-system-packages</a:t>
-            </a:r>
-            <a:endParaRPr lang="en-US" altLang="ja-JP" sz="1600" dirty="0"/>
-          </a:p>
-          <a:p>
-            <a:pPr marL="0" indent="0">
-              <a:buNone/>
-            </a:pPr>
-            <a:r>
-              <a:rPr lang="en-US" altLang="ja-JP" sz="1600" dirty="0"/>
-              <a:t>$ pip install </a:t>
-            </a:r>
-            <a:r>
-              <a:rPr lang="en-US" altLang="ja-JP" sz="1600" dirty="0" err="1"/>
-              <a:t>llama_index</a:t>
-            </a:r>
-            <a:r>
-              <a:rPr lang="en-US" altLang="ja-JP" sz="1600" dirty="0"/>
-              <a:t>-embeddings-</a:t>
-            </a:r>
-            <a:r>
-              <a:rPr lang="en-US" altLang="ja-JP" sz="1600" dirty="0" err="1"/>
-              <a:t>ollama</a:t>
-            </a:r>
-            <a:r>
-              <a:rPr lang="ja-JP" altLang="en-US" sz="1600" dirty="0">
-                <a:solidFill>
-                  <a:srgbClr val="00B050"/>
-                </a:solidFill>
-              </a:rPr>
-              <a:t> </a:t>
-            </a:r>
-            <a:r>
-              <a:rPr lang="en-US" altLang="ja-JP" sz="1600" dirty="0">
-                <a:solidFill>
-                  <a:srgbClr val="00B050"/>
-                </a:solidFill>
-              </a:rPr>
-              <a:t>--break-system-packages</a:t>
-            </a:r>
-            <a:endParaRPr lang="en-US" altLang="ja-JP" sz="1600" dirty="0"/>
-          </a:p>
-          <a:p>
-            <a:pPr marL="0" indent="0">
-              <a:buNone/>
-            </a:pPr>
-            <a:r>
-              <a:rPr lang="en-US" altLang="ja-JP" sz="1600" dirty="0"/>
-              <a:t>$ pip install </a:t>
-            </a:r>
-            <a:r>
-              <a:rPr lang="en-US" altLang="ja-JP" sz="1600" dirty="0" err="1"/>
-              <a:t>llama_index-llms-ollama</a:t>
-            </a:r>
-            <a:r>
-              <a:rPr lang="ja-JP" altLang="en-US" sz="1600" dirty="0">
-                <a:solidFill>
-                  <a:srgbClr val="00B050"/>
-                </a:solidFill>
-              </a:rPr>
-              <a:t> </a:t>
-            </a:r>
-            <a:r>
-              <a:rPr lang="en-US" altLang="ja-JP" sz="1600" dirty="0">
-                <a:solidFill>
-                  <a:srgbClr val="00B050"/>
-                </a:solidFill>
-              </a:rPr>
-              <a:t>--break-system-packages</a:t>
-            </a:r>
-            <a:endParaRPr lang="en-US" altLang="ja-JP" sz="1600" dirty="0"/>
-          </a:p>
-          <a:p>
-            <a:pPr marL="0" indent="0">
-              <a:buNone/>
-            </a:pPr>
-            <a:r>
-              <a:rPr lang="en-US" altLang="ja-JP" sz="1600" dirty="0"/>
-              <a:t>$ pip install </a:t>
-            </a:r>
-            <a:r>
-              <a:rPr lang="en-US" altLang="ja-JP" sz="1600" dirty="0" err="1"/>
-              <a:t>qdrant_client</a:t>
-            </a:r>
-            <a:r>
-              <a:rPr lang="ja-JP" altLang="en-US" sz="1600" dirty="0">
-                <a:solidFill>
-                  <a:srgbClr val="00B050"/>
-                </a:solidFill>
-              </a:rPr>
-              <a:t> </a:t>
-            </a:r>
-            <a:r>
-              <a:rPr lang="en-US" altLang="ja-JP" sz="1600" dirty="0">
-                <a:solidFill>
-                  <a:srgbClr val="00B050"/>
-                </a:solidFill>
-              </a:rPr>
-              <a:t>--break-system-packages</a:t>
-            </a:r>
-          </a:p>
-          <a:p>
-            <a:pPr marL="0" indent="0">
-              <a:buNone/>
-            </a:pPr>
-            <a:r>
-              <a:rPr lang="en-US" altLang="ja-JP" sz="1500" dirty="0">
-                <a:solidFill>
-                  <a:srgbClr val="00B050"/>
-                </a:solidFill>
-              </a:rPr>
-              <a:t>※--break-system-package</a:t>
-            </a:r>
-            <a:r>
-              <a:rPr lang="ja-JP" altLang="en-US" sz="1500" dirty="0">
-                <a:solidFill>
-                  <a:srgbClr val="00B050"/>
-                </a:solidFill>
-              </a:rPr>
-              <a:t>オプションはラズパイ</a:t>
-            </a:r>
-            <a:r>
-              <a:rPr lang="en-US" altLang="ja-JP" sz="1500" dirty="0">
-                <a:solidFill>
-                  <a:srgbClr val="00B050"/>
-                </a:solidFill>
-              </a:rPr>
-              <a:t>5</a:t>
-            </a:r>
-            <a:r>
-              <a:rPr lang="ja-JP" altLang="en-US" sz="1500" dirty="0">
-                <a:solidFill>
-                  <a:srgbClr val="00B050"/>
-                </a:solidFill>
-              </a:rPr>
-              <a:t>で依存関係を気にせず手っ取り早くインストールするために使用</a:t>
-            </a:r>
-            <a:endParaRPr lang="en-US" altLang="ja-JP" sz="1500" dirty="0">
+              <a:t>環境で動作しないバグがある模様</a:t>
+            </a:r>
+            <a:endParaRPr lang="en-US" altLang="ja-JP" sz="1600" dirty="0">
               <a:solidFill>
-                <a:srgbClr val="00B050"/>
+                <a:srgbClr val="FF0000"/>
               </a:solidFill>
             </a:endParaRPr>
           </a:p>
@@ -9126,7 +9294,53 @@
             <a:pPr marL="0" indent="0">
               <a:buNone/>
             </a:pPr>
-            <a:endParaRPr kumimoji="1" lang="fi-FI" altLang="ja-JP" dirty="0"/>
+            <a:r>
+              <a:rPr kumimoji="1" lang="en-US" altLang="ja-JP" sz="1600" dirty="0"/>
+              <a:t>※ </a:t>
+            </a:r>
+            <a:r>
+              <a:rPr lang="en-US" altLang="ja-JP" sz="1100" dirty="0">
+                <a:hlinkClick r:id="rId2"/>
+              </a:rPr>
+              <a:t>&lt;</a:t>
+            </a:r>
+            <a:r>
+              <a:rPr lang="en-US" altLang="ja-JP" sz="1100" dirty="0" err="1">
+                <a:hlinkClick r:id="rId2"/>
+              </a:rPr>
+              <a:t>jemalloc</a:t>
+            </a:r>
+            <a:r>
+              <a:rPr lang="en-US" altLang="ja-JP" sz="1100" dirty="0">
+                <a:hlinkClick r:id="rId2"/>
+              </a:rPr>
+              <a:t>&gt;: Unsupported system page size on aarch64 using docker images · Issue #4298 · </a:t>
+            </a:r>
+            <a:r>
+              <a:rPr lang="en-US" altLang="ja-JP" sz="1100" dirty="0" err="1">
+                <a:hlinkClick r:id="rId2"/>
+              </a:rPr>
+              <a:t>qdrant</a:t>
+            </a:r>
+            <a:r>
+              <a:rPr lang="en-US" altLang="ja-JP" sz="1100" dirty="0">
+                <a:hlinkClick r:id="rId2"/>
+              </a:rPr>
+              <a:t>/</a:t>
+            </a:r>
+            <a:r>
+              <a:rPr lang="en-US" altLang="ja-JP" sz="1100" dirty="0" err="1">
+                <a:hlinkClick r:id="rId2"/>
+              </a:rPr>
+              <a:t>qdrant</a:t>
+            </a:r>
+            <a:r>
+              <a:rPr lang="en-US" altLang="ja-JP" sz="1100" dirty="0">
+                <a:hlinkClick r:id="rId2"/>
+              </a:rPr>
+              <a:t> (github.com)</a:t>
+            </a:r>
+            <a:endParaRPr kumimoji="1" lang="fi-FI" altLang="ja-JP" sz="1600" dirty="0"/>
           </a:p>
           <a:p>
             <a:pPr marL="0" indent="0">
@@ -9136,10 +9350,40 @@
           </a:p>
         </p:txBody>
       </p:sp>
+      <p:pic>
+        <p:nvPicPr>
+          <p:cNvPr id="5" name="図 4">
+            <a:extLst>
+              <a:ext uri="{FF2B5EF4-FFF2-40B4-BE49-F238E27FC236}">
+                <a16:creationId xmlns:a16="http://schemas.microsoft.com/office/drawing/2014/main" id="{BBCECF47-4A2A-AE48-EEBF-76F88C50BD39}"/>
+              </a:ext>
+            </a:extLst>
+          </p:cNvPr>
+          <p:cNvPicPr>
+            <a:picLocks noChangeAspect="1"/>
+          </p:cNvPicPr>
+          <p:nvPr/>
+        </p:nvPicPr>
+        <p:blipFill>
+          <a:blip r:embed="rId3"/>
+          <a:stretch>
+            <a:fillRect/>
+          </a:stretch>
+        </p:blipFill>
+        <p:spPr>
+          <a:xfrm>
+            <a:off x="5711858" y="3675156"/>
+            <a:ext cx="5261981" cy="1989641"/>
+          </a:xfrm>
+          <a:prstGeom prst="rect">
+            <a:avLst/>
+          </a:prstGeom>
+        </p:spPr>
+      </p:pic>
     </p:spTree>
     <p:extLst>
       <p:ext uri="{BB962C8B-B14F-4D97-AF65-F5344CB8AC3E}">
-        <p14:creationId xmlns:p14="http://schemas.microsoft.com/office/powerpoint/2010/main" val="3824521246"/>
+        <p14:creationId xmlns:p14="http://schemas.microsoft.com/office/powerpoint/2010/main" val="998559321"/>
       </p:ext>
     </p:extLst>
   </p:cSld>
@@ -9189,7 +9433,15 @@
           <a:p>
             <a:r>
               <a:rPr kumimoji="1" lang="ja-JP" altLang="en-US" dirty="0"/>
-              <a:t>機能実行手順</a:t>
+              <a:t>環境インストール手順（３</a:t>
+            </a:r>
+            <a:r>
+              <a:rPr kumimoji="1" lang="en-US" altLang="ja-JP" dirty="0"/>
+              <a:t>/</a:t>
+            </a:r>
+            <a:r>
+              <a:rPr kumimoji="1" lang="ja-JP" altLang="en-US" dirty="0"/>
+              <a:t>４）</a:t>
             </a:r>
           </a:p>
         </p:txBody>
@@ -9210,10 +9462,15 @@
             <p:ph idx="1"/>
           </p:nvPr>
         </p:nvSpPr>
-        <p:spPr/>
+        <p:spPr>
+          <a:xfrm>
+            <a:off x="847725" y="1825625"/>
+            <a:ext cx="10515600" cy="4351338"/>
+          </a:xfrm>
+        </p:spPr>
         <p:txBody>
           <a:bodyPr>
-            <a:normAutofit/>
+            <a:normAutofit fontScale="70000" lnSpcReduction="20000"/>
           </a:bodyPr>
           <a:lstStyle/>
           <a:p>
@@ -9221,39 +9478,157 @@
               <a:buNone/>
             </a:pPr>
             <a:r>
+              <a:rPr lang="ja-JP" altLang="en-US" dirty="0">
+                <a:solidFill>
+                  <a:srgbClr val="FF0000"/>
+                </a:solidFill>
+              </a:rPr>
+              <a:t>⑥現状</a:t>
+            </a:r>
+            <a:r>
+              <a:rPr lang="en-US" altLang="ja-JP" dirty="0">
+                <a:solidFill>
+                  <a:srgbClr val="FF0000"/>
+                </a:solidFill>
+              </a:rPr>
+              <a:t>llama-index</a:t>
+            </a:r>
+            <a:r>
+              <a:rPr lang="ja-JP" altLang="en-US" dirty="0">
+                <a:solidFill>
+                  <a:srgbClr val="FF0000"/>
+                </a:solidFill>
+              </a:rPr>
+              <a:t>は</a:t>
+            </a:r>
+            <a:r>
+              <a:rPr lang="en-US" altLang="ja-JP" dirty="0">
+                <a:solidFill>
+                  <a:srgbClr val="FF0000"/>
+                </a:solidFill>
+              </a:rPr>
+              <a:t>Python3.10</a:t>
+            </a:r>
+            <a:r>
+              <a:rPr lang="ja-JP" altLang="en-US" dirty="0">
+                <a:solidFill>
+                  <a:srgbClr val="FF0000"/>
+                </a:solidFill>
+              </a:rPr>
+              <a:t>系でしか動かないため同バージョンへの切替を可能にする</a:t>
+            </a:r>
+            <a:endParaRPr lang="en-US" altLang="ja-JP" dirty="0">
+              <a:solidFill>
+                <a:srgbClr val="FF0000"/>
+              </a:solidFill>
+            </a:endParaRPr>
+          </a:p>
+          <a:p>
+            <a:pPr marL="0" indent="0">
+              <a:buNone/>
+            </a:pPr>
+            <a:r>
+              <a:rPr lang="en-US" altLang="ja-JP" dirty="0"/>
+              <a:t>1. </a:t>
+            </a:r>
+            <a:r>
+              <a:rPr lang="en-US" altLang="ja-JP" dirty="0" err="1"/>
+              <a:t>Pyenv</a:t>
+            </a:r>
+            <a:r>
               <a:rPr lang="ja-JP" altLang="en-US" dirty="0"/>
-              <a:t>・</a:t>
-            </a:r>
+              <a:t>環境のインストール： </a:t>
+            </a:r>
+            <a:r>
+              <a:rPr lang="en-US" altLang="ja-JP" sz="2900" dirty="0"/>
+              <a:t>curl https://pyenv.run | bash</a:t>
+            </a:r>
+          </a:p>
+          <a:p>
+            <a:pPr marL="0" indent="0">
+              <a:buNone/>
+            </a:pPr>
+            <a:r>
+              <a:rPr lang="en-US" altLang="ja-JP" sz="2900" dirty="0"/>
+              <a:t>※</a:t>
+            </a:r>
+            <a:r>
+              <a:rPr lang="en-US" altLang="ja-JP" sz="2900" dirty="0" err="1"/>
+              <a:t>pyenv</a:t>
+            </a:r>
+            <a:r>
+              <a:rPr lang="ja-JP" altLang="en-US" sz="2900" dirty="0"/>
+              <a:t>の設定。</a:t>
+            </a:r>
+            <a:r>
+              <a:rPr lang="en-US" altLang="ja-JP" sz="2900" dirty="0"/>
+              <a:t>.</a:t>
+            </a:r>
+            <a:r>
+              <a:rPr lang="en-US" altLang="ja-JP" sz="2900" dirty="0" err="1"/>
+              <a:t>bashrc</a:t>
+            </a:r>
+            <a:r>
+              <a:rPr lang="ja-JP" altLang="en-US" sz="2900" dirty="0"/>
+              <a:t>へ追加しておくと以降設定不要。</a:t>
+            </a:r>
+            <a:endParaRPr lang="en-US" altLang="ja-JP" sz="2900" dirty="0"/>
+          </a:p>
+          <a:p>
+            <a:pPr marL="0" indent="0">
+              <a:buNone/>
+            </a:pPr>
+            <a:r>
+              <a:rPr lang="ja-JP" altLang="ja-JP" sz="2900" dirty="0"/>
+              <a:t>export PATH="$HOME/.pyenv/bin:$PATH"</a:t>
+            </a:r>
+            <a:br>
+              <a:rPr lang="ja-JP" altLang="ja-JP" sz="2900" dirty="0"/>
+            </a:br>
+            <a:r>
+              <a:rPr lang="ja-JP" altLang="ja-JP" sz="2900" dirty="0"/>
+              <a:t>eval "$(pyenv init --path)"</a:t>
+            </a:r>
+            <a:br>
+              <a:rPr lang="ja-JP" altLang="ja-JP" sz="2900" dirty="0"/>
+            </a:br>
+            <a:r>
+              <a:rPr lang="ja-JP" altLang="ja-JP" sz="2900" dirty="0"/>
+              <a:t>eval "$(pyenv init -)"</a:t>
+            </a:r>
+            <a:br>
+              <a:rPr lang="ja-JP" altLang="ja-JP" sz="2900" dirty="0"/>
+            </a:br>
+            <a:r>
+              <a:rPr lang="ja-JP" altLang="ja-JP" sz="2900" dirty="0"/>
+              <a:t>eval "$(pyenv virtualenv-init -)“</a:t>
+            </a:r>
+            <a:endParaRPr lang="en-US" altLang="ja-JP" sz="2900" dirty="0"/>
+          </a:p>
+          <a:p>
+            <a:pPr marL="0" indent="0">
+              <a:buNone/>
+            </a:pPr>
             <a:r>
               <a:rPr lang="en-US" altLang="ja-JP" dirty="0"/>
-              <a:t>CUI</a:t>
+              <a:t>2. </a:t>
+            </a:r>
+            <a:r>
+              <a:rPr lang="en-US" altLang="ja-JP" dirty="0" err="1"/>
+              <a:t>Pyenv</a:t>
             </a:r>
             <a:r>
               <a:rPr lang="ja-JP" altLang="en-US" dirty="0"/>
-              <a:t>上で以下のコマンドを実行します</a:t>
-            </a:r>
-            <a:endParaRPr lang="en-US" altLang="ja-JP" dirty="0"/>
-          </a:p>
-          <a:p>
-            <a:pPr marL="0" indent="0">
-              <a:buNone/>
-            </a:pPr>
-            <a:r>
-              <a:rPr lang="en-US" altLang="ja-JP" sz="1600" dirty="0"/>
-              <a:t>$ python gemma2_qdrant_rag_test.py </a:t>
-            </a:r>
-          </a:p>
-          <a:p>
-            <a:pPr marL="0" indent="0">
-              <a:buNone/>
-            </a:pPr>
-            <a:endParaRPr lang="en-US" altLang="ja-JP" dirty="0"/>
-          </a:p>
-          <a:p>
-            <a:pPr marL="0" indent="0">
-              <a:buNone/>
-            </a:pPr>
-            <a:endParaRPr lang="en-US" altLang="ja-JP" dirty="0"/>
+              <a:t>環境で</a:t>
+            </a:r>
+            <a:r>
+              <a:rPr lang="en-US" altLang="ja-JP" dirty="0"/>
+              <a:t>Python 3.10</a:t>
+            </a:r>
+            <a:r>
+              <a:rPr lang="ja-JP" altLang="en-US" dirty="0"/>
+              <a:t>のインストールを成功させるための準備</a:t>
+            </a:r>
           </a:p>
           <a:p>
             <a:pPr marL="0" indent="0">
@@ -9264,8 +9639,86 @@
               <a:t>※</a:t>
             </a:r>
             <a:r>
+              <a:rPr lang="en-US" altLang="ja-JP" dirty="0" err="1"/>
+              <a:t>pyenv</a:t>
+            </a:r>
+            <a:r>
+              <a:rPr lang="en-US" altLang="ja-JP" dirty="0"/>
+              <a:t> install</a:t>
+            </a:r>
+            <a:r>
               <a:rPr lang="ja-JP" altLang="en-US" dirty="0"/>
-              <a:t>補足：ラズパイを再起動したときのサーバー起動手順</a:t>
+              <a:t>を成功させるために必要なライブラリをインストールしておく。</a:t>
+            </a:r>
+          </a:p>
+          <a:p>
+            <a:pPr marL="0" indent="0">
+              <a:buNone/>
+            </a:pPr>
+            <a:r>
+              <a:rPr lang="en-US" altLang="ja-JP" dirty="0" err="1"/>
+              <a:t>sudo</a:t>
+            </a:r>
+            <a:r>
+              <a:rPr lang="en-US" altLang="ja-JP" dirty="0"/>
+              <a:t> apt-get install libbz2-dev libncurses5-dev </a:t>
+            </a:r>
+            <a:r>
+              <a:rPr lang="en-US" altLang="ja-JP" dirty="0" err="1"/>
+              <a:t>libffi</a:t>
+            </a:r>
+            <a:r>
+              <a:rPr lang="en-US" altLang="ja-JP" dirty="0"/>
+              <a:t>-dev </a:t>
+            </a:r>
+            <a:r>
+              <a:rPr lang="en-US" altLang="ja-JP" dirty="0" err="1"/>
+              <a:t>libreadline</a:t>
+            </a:r>
+            <a:r>
+              <a:rPr lang="en-US" altLang="ja-JP" dirty="0"/>
+              <a:t>-dev </a:t>
+            </a:r>
+            <a:r>
+              <a:rPr lang="en-US" altLang="ja-JP" dirty="0" err="1"/>
+              <a:t>libssl</a:t>
+            </a:r>
+            <a:r>
+              <a:rPr lang="en-US" altLang="ja-JP" dirty="0"/>
+              <a:t>-dev libsqlite3-dev </a:t>
+            </a:r>
+            <a:r>
+              <a:rPr lang="en-US" altLang="ja-JP" dirty="0" err="1"/>
+              <a:t>liblzma</a:t>
+            </a:r>
+            <a:r>
+              <a:rPr lang="en-US" altLang="ja-JP" dirty="0"/>
+              <a:t>-dev</a:t>
+            </a:r>
+          </a:p>
+          <a:p>
+            <a:pPr marL="0" indent="0">
+              <a:buNone/>
+            </a:pPr>
+            <a:r>
+              <a:rPr lang="en-US" altLang="ja-JP" dirty="0"/>
+              <a:t>3. </a:t>
+            </a:r>
+            <a:r>
+              <a:rPr lang="en-US" altLang="ja-JP" dirty="0" err="1"/>
+              <a:t>Pyenv</a:t>
+            </a:r>
+            <a:r>
+              <a:rPr lang="ja-JP" altLang="en-US" dirty="0"/>
+              <a:t>環境で</a:t>
+            </a:r>
+            <a:r>
+              <a:rPr lang="en-US" altLang="ja-JP" dirty="0"/>
+              <a:t>Python 3.10</a:t>
+            </a:r>
+            <a:r>
+              <a:rPr lang="ja-JP" altLang="en-US" dirty="0"/>
+              <a:t>をインストール</a:t>
             </a:r>
             <a:endParaRPr lang="en-US" altLang="ja-JP" dirty="0"/>
           </a:p>
@@ -9274,28 +9727,13 @@
               <a:buNone/>
             </a:pPr>
             <a:r>
-              <a:rPr kumimoji="1" lang="en-US" altLang="ja-JP" sz="1800" dirty="0"/>
-              <a:t>$ docker start </a:t>
-            </a:r>
-            <a:r>
-              <a:rPr kumimoji="1" lang="en-US" altLang="ja-JP" sz="1800" dirty="0" err="1"/>
-              <a:t>ollama</a:t>
-            </a:r>
-            <a:endParaRPr kumimoji="1" lang="en-US" altLang="ja-JP" sz="1800" dirty="0"/>
-          </a:p>
-          <a:p>
-            <a:pPr marL="0" indent="0">
-              <a:buNone/>
-            </a:pPr>
-            <a:r>
-              <a:rPr kumimoji="1" lang="en-US" altLang="ja-JP" sz="1800" dirty="0"/>
-              <a:t>$ docker start </a:t>
-            </a:r>
-            <a:r>
-              <a:rPr kumimoji="1" lang="en-US" altLang="ja-JP" sz="1800" dirty="0" err="1"/>
-              <a:t>qdrant</a:t>
-            </a:r>
-            <a:endParaRPr kumimoji="1" lang="en-US" altLang="ja-JP" sz="1800" dirty="0"/>
+              <a:rPr lang="en-US" altLang="ja-JP" dirty="0" err="1"/>
+              <a:t>pyenv</a:t>
+            </a:r>
+            <a:r>
+              <a:rPr lang="en-US" altLang="ja-JP" dirty="0"/>
+              <a:t> install 3.10.8</a:t>
+            </a:r>
           </a:p>
           <a:p>
             <a:pPr marL="0" indent="0">
@@ -9307,7 +9745,25 @@
             <a:pPr marL="0" indent="0">
               <a:buNone/>
             </a:pPr>
-            <a:endParaRPr lang="en-US" altLang="ja-JP" sz="2800" dirty="0"/>
+            <a:endParaRPr lang="en-US" altLang="ja-JP" sz="1600" dirty="0"/>
+          </a:p>
+          <a:p>
+            <a:pPr marL="0" indent="0">
+              <a:buNone/>
+            </a:pPr>
+            <a:endParaRPr lang="en-US" altLang="ja-JP" sz="1600" dirty="0"/>
+          </a:p>
+          <a:p>
+            <a:pPr marL="0" indent="0">
+              <a:buNone/>
+            </a:pPr>
+            <a:endParaRPr lang="en-US" altLang="ja-JP" sz="1600" dirty="0"/>
+          </a:p>
+          <a:p>
+            <a:pPr marL="0" indent="0">
+              <a:buNone/>
+            </a:pPr>
+            <a:endParaRPr kumimoji="1" lang="fi-FI" altLang="ja-JP" dirty="0"/>
           </a:p>
           <a:p>
             <a:pPr marL="0" indent="0">
@@ -9320,7 +9776,7 @@
     </p:spTree>
     <p:extLst>
       <p:ext uri="{BB962C8B-B14F-4D97-AF65-F5344CB8AC3E}">
-        <p14:creationId xmlns:p14="http://schemas.microsoft.com/office/powerpoint/2010/main" val="3485624740"/>
+        <p14:creationId xmlns:p14="http://schemas.microsoft.com/office/powerpoint/2010/main" val="3824521246"/>
       </p:ext>
     </p:extLst>
   </p:cSld>
@@ -9370,7 +9826,15 @@
           <a:p>
             <a:r>
               <a:rPr kumimoji="1" lang="ja-JP" altLang="en-US" dirty="0"/>
-              <a:t>引用サイト</a:t>
+              <a:t>環境インストール手順（４</a:t>
+            </a:r>
+            <a:r>
+              <a:rPr kumimoji="1" lang="en-US" altLang="ja-JP" dirty="0"/>
+              <a:t>/</a:t>
+            </a:r>
+            <a:r>
+              <a:rPr kumimoji="1" lang="ja-JP" altLang="en-US" dirty="0"/>
+              <a:t>４）</a:t>
             </a:r>
           </a:p>
         </p:txBody>
@@ -9391,7 +9855,12 @@
             <p:ph idx="1"/>
           </p:nvPr>
         </p:nvSpPr>
-        <p:spPr/>
+        <p:spPr>
+          <a:xfrm>
+            <a:off x="847725" y="1825625"/>
+            <a:ext cx="10515600" cy="4351338"/>
+          </a:xfrm>
+        </p:spPr>
         <p:txBody>
           <a:bodyPr>
             <a:normAutofit/>
@@ -9402,72 +9871,231 @@
               <a:buNone/>
             </a:pPr>
             <a:r>
-              <a:rPr lang="en-US" altLang="ja-JP" dirty="0">
-                <a:hlinkClick r:id="rId2"/>
+              <a:rPr lang="ja-JP" altLang="en-US" dirty="0"/>
+              <a:t>⑦</a:t>
+            </a:r>
+            <a:r>
+              <a:rPr lang="en-US" altLang="ja-JP" dirty="0" err="1"/>
+              <a:t>Pyenv</a:t>
+            </a:r>
+            <a:r>
+              <a:rPr lang="ja-JP" altLang="en-US" dirty="0"/>
+              <a:t>、</a:t>
+            </a:r>
+            <a:r>
+              <a:rPr lang="en-US" altLang="ja-JP" dirty="0" err="1"/>
+              <a:t>Venv</a:t>
+            </a:r>
+            <a:r>
+              <a:rPr lang="ja-JP" altLang="en-US" dirty="0"/>
+              <a:t>の設定</a:t>
+            </a:r>
+            <a:endParaRPr lang="en-US" altLang="ja-JP" dirty="0"/>
+          </a:p>
+          <a:p>
+            <a:pPr marL="0" indent="0">
+              <a:buNone/>
+            </a:pPr>
+            <a:r>
+              <a:rPr lang="en-US" altLang="ja-JP" sz="1800" dirty="0">
+                <a:ea typeface="游ゴシック" panose="020B0400000000000000" pitchFamily="50" charset="-128"/>
               </a:rPr>
-              <a:t>(1)</a:t>
-            </a:r>
-            <a:r>
-              <a:rPr lang="ja-JP" altLang="en-US" dirty="0">
-                <a:hlinkClick r:id="rId2"/>
+              <a:t>$ </a:t>
+            </a:r>
+            <a:r>
+              <a:rPr lang="ja-JP" altLang="ja-JP" sz="1800" dirty="0">
+                <a:effectLst/>
+                <a:ea typeface="游ゴシック" panose="020B0400000000000000" pitchFamily="50" charset="-128"/>
               </a:rPr>
-              <a:t> 🦜️🔗 </a:t>
-            </a:r>
-            <a:r>
-              <a:rPr lang="en-US" altLang="ja-JP" dirty="0" err="1">
-                <a:hlinkClick r:id="rId2"/>
+              <a:t>pyenv local 3.10.8</a:t>
+            </a:r>
+            <a:br>
+              <a:rPr lang="ja-JP" altLang="ja-JP" sz="1800" dirty="0">
+                <a:effectLst/>
+                <a:ea typeface="游ゴシック" panose="020B0400000000000000" pitchFamily="50" charset="-128"/>
               </a:rPr>
-              <a:t>LangChain</a:t>
-            </a:r>
-            <a:r>
-              <a:rPr lang="ja-JP" altLang="en-US" dirty="0">
-                <a:hlinkClick r:id="rId2"/>
+            </a:br>
+            <a:r>
+              <a:rPr lang="en-US" altLang="ja-JP" sz="1800" dirty="0">
+                <a:ea typeface="游ゴシック" panose="020B0400000000000000" pitchFamily="50" charset="-128"/>
               </a:rPr>
-              <a:t>と</a:t>
-            </a:r>
-            <a:r>
-              <a:rPr lang="en-US" altLang="ja-JP" dirty="0">
-                <a:hlinkClick r:id="rId2"/>
+              <a:t>$ </a:t>
+            </a:r>
+            <a:r>
+              <a:rPr lang="ja-JP" altLang="ja-JP" sz="1800" dirty="0">
+                <a:ea typeface="游ゴシック" panose="020B0400000000000000" pitchFamily="50" charset="-128"/>
               </a:rPr>
-              <a:t>RAG: Embedding</a:t>
-            </a:r>
-            <a:r>
-              <a:rPr lang="ja-JP" altLang="en-US" dirty="0">
-                <a:hlinkClick r:id="rId2"/>
+              <a:t>python -m venv myenv</a:t>
+            </a:r>
+            <a:br>
+              <a:rPr lang="en-US" altLang="ja-JP" sz="1800" dirty="0">
+                <a:ea typeface="游ゴシック" panose="020B0400000000000000" pitchFamily="50" charset="-128"/>
               </a:rPr>
-              <a:t>で外部データを利用する </a:t>
-            </a:r>
-            <a:r>
-              <a:rPr lang="en-US" altLang="ja-JP" dirty="0">
-                <a:hlinkClick r:id="rId2"/>
+            </a:br>
+            <a:r>
+              <a:rPr lang="en-US" altLang="ja-JP" sz="1800" dirty="0">
+                <a:ea typeface="游ゴシック" panose="020B0400000000000000" pitchFamily="50" charset="-128"/>
               </a:rPr>
-              <a:t>| </a:t>
-            </a:r>
-            <a:r>
-              <a:rPr lang="en-US" altLang="ja-JP" dirty="0" err="1">
-                <a:hlinkClick r:id="rId2"/>
+              <a:t>$ source </a:t>
+            </a:r>
+            <a:r>
+              <a:rPr lang="en-US" altLang="ja-JP" sz="1800" dirty="0" err="1">
+                <a:ea typeface="游ゴシック" panose="020B0400000000000000" pitchFamily="50" charset="-128"/>
               </a:rPr>
-              <a:t>CyberAgent</a:t>
-            </a:r>
-            <a:r>
-              <a:rPr lang="en-US" altLang="ja-JP" dirty="0">
-                <a:hlinkClick r:id="rId2"/>
+              <a:t>myenv</a:t>
+            </a:r>
+            <a:r>
+              <a:rPr lang="en-US" altLang="ja-JP" sz="1800" dirty="0">
+                <a:ea typeface="游ゴシック" panose="020B0400000000000000" pitchFamily="50" charset="-128"/>
               </a:rPr>
-              <a:t> Developers Blog</a:t>
-            </a:r>
-            <a:endParaRPr kumimoji="1" lang="en-US" altLang="ja-JP" dirty="0"/>
+              <a:t>/bin/activate</a:t>
+            </a:r>
           </a:p>
           <a:p>
             <a:pPr marL="0" indent="0">
               <a:buNone/>
             </a:pPr>
-            <a:endParaRPr kumimoji="1" lang="en-US" altLang="ja-JP" dirty="0"/>
+            <a:endParaRPr lang="en-US" altLang="ja-JP" dirty="0"/>
           </a:p>
           <a:p>
             <a:pPr marL="0" indent="0">
               <a:buNone/>
             </a:pPr>
-            <a:endParaRPr kumimoji="1" lang="en-US" altLang="ja-JP" dirty="0"/>
+            <a:r>
+              <a:rPr lang="ja-JP" altLang="en-US" dirty="0"/>
+              <a:t>⑧</a:t>
+            </a:r>
+            <a:r>
+              <a:rPr lang="en-US" altLang="ja-JP" dirty="0" err="1"/>
+              <a:t>llama_index,qdrant</a:t>
+            </a:r>
+            <a:r>
+              <a:rPr lang="ja-JP" altLang="en-US" dirty="0"/>
+              <a:t>関連の必要モジュールのインストール</a:t>
+            </a:r>
+            <a:endParaRPr lang="en-US" altLang="ja-JP" dirty="0"/>
+          </a:p>
+          <a:p>
+            <a:pPr marL="0" indent="0">
+              <a:buNone/>
+            </a:pPr>
+            <a:r>
+              <a:rPr lang="en-US" altLang="ja-JP" sz="1600" dirty="0"/>
+              <a:t>$ pip install </a:t>
+            </a:r>
+            <a:r>
+              <a:rPr lang="en-US" altLang="ja-JP" sz="1600" dirty="0" err="1"/>
+              <a:t>llama_index</a:t>
+            </a:r>
+            <a:endParaRPr lang="en-US" altLang="ja-JP" sz="1600" dirty="0">
+              <a:solidFill>
+                <a:srgbClr val="00B050"/>
+              </a:solidFill>
+            </a:endParaRPr>
+          </a:p>
+          <a:p>
+            <a:pPr marL="0" indent="0">
+              <a:buNone/>
+            </a:pPr>
+            <a:r>
+              <a:rPr lang="en-US" altLang="ja-JP" sz="1600" dirty="0"/>
+              <a:t>$ pip install </a:t>
+            </a:r>
+            <a:r>
+              <a:rPr lang="en-US" altLang="ja-JP" sz="1600" dirty="0" err="1"/>
+              <a:t>llama_index-vector_stores-qdrant</a:t>
+            </a:r>
+            <a:endParaRPr lang="en-US" altLang="ja-JP" sz="1600" dirty="0"/>
+          </a:p>
+          <a:p>
+            <a:pPr marL="0" indent="0">
+              <a:buNone/>
+            </a:pPr>
+            <a:r>
+              <a:rPr lang="en-US" altLang="ja-JP" sz="1600" dirty="0"/>
+              <a:t>$ pip install </a:t>
+            </a:r>
+            <a:r>
+              <a:rPr lang="en-US" altLang="ja-JP" sz="1600" dirty="0" err="1"/>
+              <a:t>llama_index</a:t>
+            </a:r>
+            <a:r>
+              <a:rPr lang="en-US" altLang="ja-JP" sz="1600" dirty="0"/>
+              <a:t>-embeddings-</a:t>
+            </a:r>
+            <a:r>
+              <a:rPr lang="en-US" altLang="ja-JP" sz="1600" dirty="0" err="1"/>
+              <a:t>ollama</a:t>
+            </a:r>
+            <a:endParaRPr lang="en-US" altLang="ja-JP" sz="1600" dirty="0"/>
+          </a:p>
+          <a:p>
+            <a:pPr marL="0" indent="0">
+              <a:buNone/>
+            </a:pPr>
+            <a:r>
+              <a:rPr lang="en-US" altLang="ja-JP" sz="1600" dirty="0"/>
+              <a:t>$ pip install </a:t>
+            </a:r>
+            <a:r>
+              <a:rPr lang="en-US" altLang="ja-JP" sz="1600" dirty="0" err="1"/>
+              <a:t>llama_index-llms-ollama</a:t>
+            </a:r>
+            <a:endParaRPr lang="en-US" altLang="ja-JP" sz="1600" dirty="0"/>
+          </a:p>
+          <a:p>
+            <a:pPr marL="0" indent="0">
+              <a:buNone/>
+            </a:pPr>
+            <a:r>
+              <a:rPr lang="en-US" altLang="ja-JP" sz="1600" dirty="0"/>
+              <a:t>$ pip install </a:t>
+            </a:r>
+            <a:r>
+              <a:rPr lang="en-US" altLang="ja-JP" sz="1600" dirty="0" err="1"/>
+              <a:t>qdrant_client</a:t>
+            </a:r>
+            <a:endParaRPr lang="en-US" altLang="ja-JP" sz="1600" dirty="0">
+              <a:solidFill>
+                <a:srgbClr val="00B050"/>
+              </a:solidFill>
+            </a:endParaRPr>
+          </a:p>
+          <a:p>
+            <a:pPr marL="0" indent="0">
+              <a:buNone/>
+            </a:pPr>
+            <a:endParaRPr kumimoji="1" lang="fi-FI" altLang="ja-JP" sz="1600" dirty="0"/>
+          </a:p>
+          <a:p>
+            <a:pPr marL="0" indent="0">
+              <a:buNone/>
+            </a:pPr>
+            <a:endParaRPr lang="en-US" altLang="ja-JP" sz="1600" dirty="0"/>
+          </a:p>
+          <a:p>
+            <a:pPr marL="0" indent="0">
+              <a:buNone/>
+            </a:pPr>
+            <a:endParaRPr lang="en-US" altLang="ja-JP" sz="1600" dirty="0"/>
+          </a:p>
+          <a:p>
+            <a:pPr marL="0" indent="0">
+              <a:buNone/>
+            </a:pPr>
+            <a:endParaRPr lang="en-US" altLang="ja-JP" sz="1600" dirty="0"/>
+          </a:p>
+          <a:p>
+            <a:pPr marL="0" indent="0">
+              <a:buNone/>
+            </a:pPr>
+            <a:endParaRPr lang="en-US" altLang="ja-JP" sz="1600" dirty="0"/>
+          </a:p>
+          <a:p>
+            <a:pPr marL="0" indent="0">
+              <a:buNone/>
+            </a:pPr>
+            <a:endParaRPr kumimoji="1" lang="fi-FI" altLang="ja-JP" dirty="0"/>
           </a:p>
           <a:p>
             <a:pPr marL="0" indent="0">
@@ -9480,7 +10108,188 @@
     </p:spTree>
     <p:extLst>
       <p:ext uri="{BB962C8B-B14F-4D97-AF65-F5344CB8AC3E}">
-        <p14:creationId xmlns:p14="http://schemas.microsoft.com/office/powerpoint/2010/main" val="3365730422"/>
+        <p14:creationId xmlns:p14="http://schemas.microsoft.com/office/powerpoint/2010/main" val="3338978982"/>
+      </p:ext>
+    </p:extLst>
+  </p:cSld>
+  <p:clrMapOvr>
+    <a:masterClrMapping/>
+  </p:clrMapOvr>
+</p:sld>
+</file>
+
+<file path=ppt/slides/slide9.xml><?xml version="1.0" encoding="utf-8"?>
+<p:sld xmlns:a="http://schemas.openxmlformats.org/drawingml/2006/main" xmlns:r="http://schemas.openxmlformats.org/officeDocument/2006/relationships" xmlns:p="http://schemas.openxmlformats.org/presentationml/2006/main">
+  <p:cSld>
+    <p:spTree>
+      <p:nvGrpSpPr>
+        <p:cNvPr id="1" name=""/>
+        <p:cNvGrpSpPr/>
+        <p:nvPr/>
+      </p:nvGrpSpPr>
+      <p:grpSpPr>
+        <a:xfrm>
+          <a:off x="0" y="0"/>
+          <a:ext cx="0" cy="0"/>
+          <a:chOff x="0" y="0"/>
+          <a:chExt cx="0" cy="0"/>
+        </a:xfrm>
+      </p:grpSpPr>
+      <p:sp>
+        <p:nvSpPr>
+          <p:cNvPr id="2" name="タイトル 1">
+            <a:extLst>
+              <a:ext uri="{FF2B5EF4-FFF2-40B4-BE49-F238E27FC236}">
+                <a16:creationId xmlns:a16="http://schemas.microsoft.com/office/drawing/2014/main" id="{9C784ACA-9376-15C6-DD93-68B5D582FADA}"/>
+              </a:ext>
+            </a:extLst>
+          </p:cNvPr>
+          <p:cNvSpPr>
+            <a:spLocks noGrp="1"/>
+          </p:cNvSpPr>
+          <p:nvPr>
+            <p:ph type="title"/>
+          </p:nvPr>
+        </p:nvSpPr>
+        <p:spPr/>
+        <p:txBody>
+          <a:bodyPr/>
+          <a:lstStyle/>
+          <a:p>
+            <a:r>
+              <a:rPr kumimoji="1" lang="ja-JP" altLang="en-US" dirty="0"/>
+              <a:t>機能実行手順</a:t>
+            </a:r>
+          </a:p>
+        </p:txBody>
+      </p:sp>
+      <p:sp>
+        <p:nvSpPr>
+          <p:cNvPr id="3" name="コンテンツ プレースホルダー 2">
+            <a:extLst>
+              <a:ext uri="{FF2B5EF4-FFF2-40B4-BE49-F238E27FC236}">
+                <a16:creationId xmlns:a16="http://schemas.microsoft.com/office/drawing/2014/main" id="{37025C41-8921-578C-16F8-6B5CF0A93AE0}"/>
+              </a:ext>
+            </a:extLst>
+          </p:cNvPr>
+          <p:cNvSpPr>
+            <a:spLocks noGrp="1"/>
+          </p:cNvSpPr>
+          <p:nvPr>
+            <p:ph idx="1"/>
+          </p:nvPr>
+        </p:nvSpPr>
+        <p:spPr/>
+        <p:txBody>
+          <a:bodyPr>
+            <a:normAutofit/>
+          </a:bodyPr>
+          <a:lstStyle/>
+          <a:p>
+            <a:pPr marL="0" indent="0">
+              <a:buNone/>
+            </a:pPr>
+            <a:r>
+              <a:rPr lang="ja-JP" altLang="en-US" dirty="0"/>
+              <a:t>・</a:t>
+            </a:r>
+            <a:r>
+              <a:rPr lang="en-US" altLang="ja-JP" dirty="0"/>
+              <a:t>CUI</a:t>
+            </a:r>
+            <a:r>
+              <a:rPr lang="ja-JP" altLang="en-US" dirty="0"/>
+              <a:t>上で以下のコマンドを実行します</a:t>
+            </a:r>
+            <a:endParaRPr lang="en-US" altLang="ja-JP" dirty="0"/>
+          </a:p>
+          <a:p>
+            <a:pPr marL="0" indent="0">
+              <a:buNone/>
+            </a:pPr>
+            <a:r>
+              <a:rPr lang="en-US" altLang="ja-JP" sz="1600" dirty="0"/>
+              <a:t>$ python gemma2_qdrant_rag_test.py </a:t>
+            </a:r>
+          </a:p>
+          <a:p>
+            <a:pPr marL="0" indent="0">
+              <a:buNone/>
+            </a:pPr>
+            <a:endParaRPr lang="en-US" altLang="ja-JP" dirty="0"/>
+          </a:p>
+          <a:p>
+            <a:pPr marL="0" indent="0">
+              <a:buNone/>
+            </a:pPr>
+            <a:endParaRPr lang="en-US" altLang="ja-JP" dirty="0"/>
+          </a:p>
+          <a:p>
+            <a:pPr marL="0" indent="0">
+              <a:buNone/>
+            </a:pPr>
+            <a:r>
+              <a:rPr lang="en-US" altLang="ja-JP" dirty="0"/>
+              <a:t>※</a:t>
+            </a:r>
+            <a:r>
+              <a:rPr lang="ja-JP" altLang="en-US" dirty="0"/>
+              <a:t>補足：ラズパイを再起動したときのサーバー起動手順</a:t>
+            </a:r>
+            <a:endParaRPr lang="en-US" altLang="ja-JP" dirty="0"/>
+          </a:p>
+          <a:p>
+            <a:pPr marL="0" indent="0">
+              <a:buNone/>
+            </a:pPr>
+            <a:r>
+              <a:rPr kumimoji="1" lang="en-US" altLang="ja-JP" sz="1800" dirty="0"/>
+              <a:t>$ docker start </a:t>
+            </a:r>
+            <a:r>
+              <a:rPr kumimoji="1" lang="en-US" altLang="ja-JP" sz="1800" dirty="0" err="1"/>
+              <a:t>ollama</a:t>
+            </a:r>
+            <a:endParaRPr kumimoji="1" lang="en-US" altLang="ja-JP" sz="1800" dirty="0"/>
+          </a:p>
+          <a:p>
+            <a:pPr marL="0" indent="0">
+              <a:buNone/>
+            </a:pPr>
+            <a:r>
+              <a:rPr kumimoji="1" lang="en-US" altLang="ja-JP" sz="1800" dirty="0"/>
+              <a:t>$ docker start </a:t>
+            </a:r>
+            <a:r>
+              <a:rPr kumimoji="1" lang="en-US" altLang="ja-JP" sz="1800" dirty="0" err="1"/>
+              <a:t>qdrant</a:t>
+            </a:r>
+            <a:endParaRPr kumimoji="1" lang="en-US" altLang="ja-JP" sz="1800" dirty="0"/>
+          </a:p>
+          <a:p>
+            <a:pPr marL="0" indent="0">
+              <a:buNone/>
+            </a:pPr>
+            <a:endParaRPr lang="en-US" altLang="ja-JP" sz="1600" dirty="0"/>
+          </a:p>
+          <a:p>
+            <a:pPr marL="0" indent="0">
+              <a:buNone/>
+            </a:pPr>
+            <a:endParaRPr lang="en-US" altLang="ja-JP" sz="2800" dirty="0"/>
+          </a:p>
+          <a:p>
+            <a:pPr marL="0" indent="0">
+              <a:buNone/>
+            </a:pPr>
+            <a:endParaRPr kumimoji="1" lang="en-US" altLang="ja-JP" dirty="0"/>
+          </a:p>
+        </p:txBody>
+      </p:sp>
+    </p:spTree>
+    <p:extLst>
+      <p:ext uri="{BB962C8B-B14F-4D97-AF65-F5344CB8AC3E}">
+        <p14:creationId xmlns:p14="http://schemas.microsoft.com/office/powerpoint/2010/main" val="3485624740"/>
       </p:ext>
     </p:extLst>
   </p:cSld>
